--- a/ContrastCheckerPlus-UsersManual.pptx
+++ b/ContrastCheckerPlus-UsersManual.pptx
@@ -6,21 +6,22 @@
   </p:sldMasterIdLst>
   <p:sldIdLst>
     <p:sldId id="256" r:id="rId2"/>
-    <p:sldId id="258" r:id="rId3"/>
-    <p:sldId id="259" r:id="rId4"/>
-    <p:sldId id="261" r:id="rId5"/>
-    <p:sldId id="262" r:id="rId6"/>
-    <p:sldId id="264" r:id="rId7"/>
-    <p:sldId id="266" r:id="rId8"/>
-    <p:sldId id="265" r:id="rId9"/>
-    <p:sldId id="267" r:id="rId10"/>
-    <p:sldId id="268" r:id="rId11"/>
-    <p:sldId id="274" r:id="rId12"/>
-    <p:sldId id="273" r:id="rId13"/>
-    <p:sldId id="269" r:id="rId14"/>
-    <p:sldId id="270" r:id="rId15"/>
-    <p:sldId id="271" r:id="rId16"/>
-    <p:sldId id="272" r:id="rId17"/>
+    <p:sldId id="275" r:id="rId3"/>
+    <p:sldId id="258" r:id="rId4"/>
+    <p:sldId id="259" r:id="rId5"/>
+    <p:sldId id="261" r:id="rId6"/>
+    <p:sldId id="262" r:id="rId7"/>
+    <p:sldId id="264" r:id="rId8"/>
+    <p:sldId id="266" r:id="rId9"/>
+    <p:sldId id="265" r:id="rId10"/>
+    <p:sldId id="267" r:id="rId11"/>
+    <p:sldId id="268" r:id="rId12"/>
+    <p:sldId id="274" r:id="rId13"/>
+    <p:sldId id="273" r:id="rId14"/>
+    <p:sldId id="269" r:id="rId15"/>
+    <p:sldId id="270" r:id="rId16"/>
+    <p:sldId id="271" r:id="rId17"/>
+    <p:sldId id="272" r:id="rId18"/>
   </p:sldIdLst>
   <p:sldSz cx="12192000" cy="6858000"/>
   <p:notesSz cx="6858000" cy="9144000"/>
@@ -125,6 +126,7 @@
         <p14:section name="Default Section" id="{F94D2B36-FB0B-495C-AA57-4A03EB24366C}">
           <p14:sldIdLst>
             <p14:sldId id="256"/>
+            <p14:sldId id="275"/>
             <p14:sldId id="258"/>
             <p14:sldId id="259"/>
             <p14:sldId id="261"/>
@@ -143,6 +145,9 @@
           </p14:sldIdLst>
         </p14:section>
       </p14:sectionLst>
+    </p:ext>
+    <p:ext uri="{EFAFB233-063F-42B5-8137-9DF3F51BA10A}">
+      <p15:sldGuideLst xmlns:p15="http://schemas.microsoft.com/office/powerpoint/2012/main"/>
     </p:ext>
   </p:extLst>
 </p:presentation>
@@ -279,7 +284,7 @@
           <a:p>
             <a:fld id="{3D199C3E-FFC2-4083-B770-E7E0B56EC489}" type="datetimeFigureOut">
               <a:rPr lang="pl-PL" smtClean="0"/>
-              <a:t>11.03.2025</a:t>
+              <a:t>31.03.2025</a:t>
             </a:fld>
             <a:endParaRPr lang="pl-PL"/>
           </a:p>
@@ -449,7 +454,7 @@
           <a:p>
             <a:fld id="{3D199C3E-FFC2-4083-B770-E7E0B56EC489}" type="datetimeFigureOut">
               <a:rPr lang="pl-PL" smtClean="0"/>
-              <a:t>11.03.2025</a:t>
+              <a:t>31.03.2025</a:t>
             </a:fld>
             <a:endParaRPr lang="pl-PL"/>
           </a:p>
@@ -629,7 +634,7 @@
           <a:p>
             <a:fld id="{3D199C3E-FFC2-4083-B770-E7E0B56EC489}" type="datetimeFigureOut">
               <a:rPr lang="pl-PL" smtClean="0"/>
-              <a:t>11.03.2025</a:t>
+              <a:t>31.03.2025</a:t>
             </a:fld>
             <a:endParaRPr lang="pl-PL"/>
           </a:p>
@@ -799,7 +804,7 @@
           <a:p>
             <a:fld id="{3D199C3E-FFC2-4083-B770-E7E0B56EC489}" type="datetimeFigureOut">
               <a:rPr lang="pl-PL" smtClean="0"/>
-              <a:t>11.03.2025</a:t>
+              <a:t>31.03.2025</a:t>
             </a:fld>
             <a:endParaRPr lang="pl-PL"/>
           </a:p>
@@ -1045,7 +1050,7 @@
           <a:p>
             <a:fld id="{3D199C3E-FFC2-4083-B770-E7E0B56EC489}" type="datetimeFigureOut">
               <a:rPr lang="pl-PL" smtClean="0"/>
-              <a:t>11.03.2025</a:t>
+              <a:t>31.03.2025</a:t>
             </a:fld>
             <a:endParaRPr lang="pl-PL"/>
           </a:p>
@@ -1277,7 +1282,7 @@
           <a:p>
             <a:fld id="{3D199C3E-FFC2-4083-B770-E7E0B56EC489}" type="datetimeFigureOut">
               <a:rPr lang="pl-PL" smtClean="0"/>
-              <a:t>11.03.2025</a:t>
+              <a:t>31.03.2025</a:t>
             </a:fld>
             <a:endParaRPr lang="pl-PL"/>
           </a:p>
@@ -1644,7 +1649,7 @@
           <a:p>
             <a:fld id="{3D199C3E-FFC2-4083-B770-E7E0B56EC489}" type="datetimeFigureOut">
               <a:rPr lang="pl-PL" smtClean="0"/>
-              <a:t>11.03.2025</a:t>
+              <a:t>31.03.2025</a:t>
             </a:fld>
             <a:endParaRPr lang="pl-PL"/>
           </a:p>
@@ -1762,7 +1767,7 @@
           <a:p>
             <a:fld id="{3D199C3E-FFC2-4083-B770-E7E0B56EC489}" type="datetimeFigureOut">
               <a:rPr lang="pl-PL" smtClean="0"/>
-              <a:t>11.03.2025</a:t>
+              <a:t>31.03.2025</a:t>
             </a:fld>
             <a:endParaRPr lang="pl-PL"/>
           </a:p>
@@ -1857,7 +1862,7 @@
           <a:p>
             <a:fld id="{3D199C3E-FFC2-4083-B770-E7E0B56EC489}" type="datetimeFigureOut">
               <a:rPr lang="pl-PL" smtClean="0"/>
-              <a:t>11.03.2025</a:t>
+              <a:t>31.03.2025</a:t>
             </a:fld>
             <a:endParaRPr lang="pl-PL"/>
           </a:p>
@@ -2134,7 +2139,7 @@
           <a:p>
             <a:fld id="{3D199C3E-FFC2-4083-B770-E7E0B56EC489}" type="datetimeFigureOut">
               <a:rPr lang="pl-PL" smtClean="0"/>
-              <a:t>11.03.2025</a:t>
+              <a:t>31.03.2025</a:t>
             </a:fld>
             <a:endParaRPr lang="pl-PL"/>
           </a:p>
@@ -2387,7 +2392,7 @@
           <a:p>
             <a:fld id="{3D199C3E-FFC2-4083-B770-E7E0B56EC489}" type="datetimeFigureOut">
               <a:rPr lang="pl-PL" smtClean="0"/>
-              <a:t>11.03.2025</a:t>
+              <a:t>31.03.2025</a:t>
             </a:fld>
             <a:endParaRPr lang="pl-PL"/>
           </a:p>
@@ -2600,7 +2605,7 @@
           <a:p>
             <a:fld id="{3D199C3E-FFC2-4083-B770-E7E0B56EC489}" type="datetimeFigureOut">
               <a:rPr lang="pl-PL" smtClean="0"/>
-              <a:t>11.03.2025</a:t>
+              <a:t>31.03.2025</a:t>
             </a:fld>
             <a:endParaRPr lang="pl-PL"/>
           </a:p>
@@ -3128,80 +3133,7 @@
           <a:p>
             <a:pPr algn="just"/>
             <a:r>
-              <a:rPr lang="pl-PL" sz="1800" dirty="0" smtClean="0"/>
-              <a:t>Activated when clicking the „Image analysis” header just next to the „Capture settings”.</a:t>
-            </a:r>
-          </a:p>
-          <a:p>
-            <a:pPr algn="just"/>
-            <a:r>
-              <a:rPr lang="pl-PL" sz="1800" dirty="0" smtClean="0"/>
-              <a:t>Allows you to switch between default image and different color contrast modes (as of 11.03: one working mode (CC) and one experimental (CG) ).</a:t>
-            </a:r>
-          </a:p>
-          <a:p>
-            <a:pPr algn="just"/>
-            <a:r>
-              <a:rPr lang="pl-PL" sz="1800" dirty="0" smtClean="0">
-                <a:solidFill>
-                  <a:srgbClr val="FFC000"/>
-                </a:solidFill>
-              </a:rPr>
-              <a:t>#</a:t>
-            </a:r>
-            <a:r>
-              <a:rPr lang="pl-PL" sz="1800" dirty="0" smtClean="0"/>
-              <a:t> On „Grab reference” button pressed, starts a process similiar to</a:t>
-            </a:r>
-            <a:br>
-              <a:rPr lang="pl-PL" sz="1800" dirty="0" smtClean="0"/>
-            </a:br>
-            <a:r>
-              <a:rPr lang="pl-PL" sz="1800" dirty="0" smtClean="0"/>
-              <a:t>„Grab colors”, but only one color is taken. On app start the reference is not defined and set as RGB = [0, 0, 0]. On successful color grab the label updates to show RGB values of selected point.</a:t>
-            </a:r>
-          </a:p>
-          <a:p>
-            <a:pPr algn="just"/>
-            <a:r>
-              <a:rPr lang="pl-PL" sz="1800" dirty="0" smtClean="0">
-                <a:solidFill>
-                  <a:srgbClr val="C00000"/>
-                </a:solidFill>
-              </a:rPr>
-              <a:t>#</a:t>
-            </a:r>
-            <a:r>
-              <a:rPr lang="pl-PL" sz="1800" dirty="0" smtClean="0"/>
-              <a:t> In this drop down menu you can select contrast-imagining mode:</a:t>
-            </a:r>
-          </a:p>
-          <a:p>
-            <a:pPr lvl="1" algn="just"/>
-            <a:r>
-              <a:rPr lang="pl-PL" sz="1400" dirty="0" smtClean="0"/>
-              <a:t>Default Image – grabbed screenshot with no color corrections;</a:t>
-            </a:r>
-          </a:p>
-          <a:p>
-            <a:pPr lvl="1" algn="just"/>
-            <a:r>
-              <a:rPr lang="pl-PL" sz="1400" dirty="0" smtClean="0"/>
-              <a:t>Contrast Grayscale (CG) – each point on the image gets assigned values from 0 to 255 depending on how far in color it is from the reference (255 – the color is the same);</a:t>
-            </a:r>
-          </a:p>
-          <a:p>
-            <a:pPr lvl="1" algn="just"/>
-            <a:r>
-              <a:rPr lang="pl-PL" sz="1400" dirty="0" smtClean="0"/>
-              <a:t>Contrast Color (CC) – each point’s color is multiplied by factor: (1 + C(P, R) * CEF), where: C(P, R) is color contrast between the point and reference; CEF – enhancement factor.</a:t>
-            </a:r>
-            <a:endParaRPr lang="pl-PL" sz="1800" dirty="0"/>
-          </a:p>
-          <a:p>
-            <a:pPr algn="just"/>
-            <a:r>
-              <a:rPr lang="pl-PL" sz="1800" dirty="0" smtClean="0">
+              <a:rPr lang="pl-PL" sz="2400" dirty="0" smtClean="0">
                 <a:solidFill>
                   <a:srgbClr val="D000D5"/>
                 </a:solidFill>
@@ -3209,15 +3141,15 @@
               <a:t>#</a:t>
             </a:r>
             <a:r>
-              <a:rPr lang="pl-PL" sz="1800" dirty="0" smtClean="0"/>
-              <a:t> Contrast enhancement factor enhancing the color differences in CC and CG modes</a:t>
+              <a:rPr lang="pl-PL" sz="2400" dirty="0" smtClean="0"/>
+              <a:t> Contrast enhancement factor enhancing the color differences in CC and CG modes. On app start it is set to 1 (it is multiplicative). Avaliable range is 0 to 20 with buttons for convinient change to 5 and Max (20).</a:t>
             </a:r>
           </a:p>
           <a:p>
             <a:pPr marL="457200" lvl="1" indent="0" algn="just">
               <a:buNone/>
             </a:pPr>
-            <a:endParaRPr lang="pl-PL" sz="800" dirty="0" smtClean="0"/>
+            <a:endParaRPr lang="pl-PL" sz="1000" dirty="0" smtClean="0"/>
           </a:p>
         </p:txBody>
       </p:sp>
@@ -3293,40 +3225,16 @@
           </a:p>
         </p:txBody>
       </p:sp>
-      <p:pic>
-        <p:nvPicPr>
-          <p:cNvPr id="6" name="Picture 5"/>
-          <p:cNvPicPr>
-            <a:picLocks noChangeAspect="1"/>
-          </p:cNvPicPr>
-          <p:nvPr/>
-        </p:nvPicPr>
-        <p:blipFill>
-          <a:blip r:embed="rId3"/>
-          <a:stretch>
-            <a:fillRect/>
-          </a:stretch>
-        </p:blipFill>
-        <p:spPr>
-          <a:xfrm>
-            <a:off x="8550546" y="3905740"/>
-            <a:ext cx="3220972" cy="1160199"/>
-          </a:xfrm>
-          <a:prstGeom prst="rect">
-            <a:avLst/>
-          </a:prstGeom>
-        </p:spPr>
-      </p:pic>
-      <p:sp>
-        <p:nvSpPr>
-          <p:cNvPr id="7" name="Rounded Rectangle 6"/>
+      <p:sp>
+        <p:nvSpPr>
+          <p:cNvPr id="9" name="Rounded Rectangle 8"/>
           <p:cNvSpPr/>
           <p:nvPr/>
         </p:nvSpPr>
         <p:spPr>
           <a:xfrm>
-            <a:off x="8613322" y="492891"/>
-            <a:ext cx="3110592" cy="772573"/>
+            <a:off x="8613321" y="1562701"/>
+            <a:ext cx="3110593" cy="879068"/>
           </a:xfrm>
           <a:prstGeom prst="roundRect">
             <a:avLst/>
@@ -3334,7 +3242,7 @@
           <a:noFill/>
           <a:ln w="63500">
             <a:solidFill>
-              <a:schemeClr val="accent4"/>
+              <a:srgbClr val="D000D5"/>
             </a:solidFill>
             <a:prstDash val="solid"/>
           </a:ln>
@@ -3362,145 +3270,10 @@
           </a:p>
         </p:txBody>
       </p:sp>
-      <p:sp>
-        <p:nvSpPr>
-          <p:cNvPr id="8" name="Rounded Rectangle 7"/>
-          <p:cNvSpPr/>
-          <p:nvPr/>
-        </p:nvSpPr>
-        <p:spPr>
-          <a:xfrm>
-            <a:off x="8613322" y="1265465"/>
-            <a:ext cx="3110592" cy="289832"/>
-          </a:xfrm>
-          <a:prstGeom prst="roundRect">
-            <a:avLst/>
-          </a:prstGeom>
-          <a:noFill/>
-          <a:ln w="63500">
-            <a:solidFill>
-              <a:srgbClr val="C00000"/>
-            </a:solidFill>
-            <a:prstDash val="solid"/>
-          </a:ln>
-        </p:spPr>
-        <p:style>
-          <a:lnRef idx="2">
-            <a:schemeClr val="accent2"/>
-          </a:lnRef>
-          <a:fillRef idx="1">
-            <a:schemeClr val="lt1"/>
-          </a:fillRef>
-          <a:effectRef idx="0">
-            <a:schemeClr val="accent2"/>
-          </a:effectRef>
-          <a:fontRef idx="minor">
-            <a:schemeClr val="dk1"/>
-          </a:fontRef>
-        </p:style>
-        <p:txBody>
-          <a:bodyPr rtlCol="0" anchor="ctr"/>
-          <a:lstStyle/>
-          <a:p>
-            <a:pPr algn="ctr"/>
-            <a:endParaRPr lang="pl-PL"/>
-          </a:p>
-        </p:txBody>
-      </p:sp>
-      <p:sp>
-        <p:nvSpPr>
-          <p:cNvPr id="9" name="Rounded Rectangle 8"/>
-          <p:cNvSpPr/>
-          <p:nvPr/>
-        </p:nvSpPr>
-        <p:spPr>
-          <a:xfrm>
-            <a:off x="8613321" y="1562701"/>
-            <a:ext cx="3110593" cy="879068"/>
-          </a:xfrm>
-          <a:prstGeom prst="roundRect">
-            <a:avLst/>
-          </a:prstGeom>
-          <a:noFill/>
-          <a:ln w="63500">
-            <a:solidFill>
-              <a:srgbClr val="D000D5"/>
-            </a:solidFill>
-            <a:prstDash val="solid"/>
-          </a:ln>
-        </p:spPr>
-        <p:style>
-          <a:lnRef idx="2">
-            <a:schemeClr val="accent2"/>
-          </a:lnRef>
-          <a:fillRef idx="1">
-            <a:schemeClr val="lt1"/>
-          </a:fillRef>
-          <a:effectRef idx="0">
-            <a:schemeClr val="accent2"/>
-          </a:effectRef>
-          <a:fontRef idx="minor">
-            <a:schemeClr val="dk1"/>
-          </a:fontRef>
-        </p:style>
-        <p:txBody>
-          <a:bodyPr rtlCol="0" anchor="ctr"/>
-          <a:lstStyle/>
-          <a:p>
-            <a:pPr algn="ctr"/>
-            <a:endParaRPr lang="pl-PL"/>
-          </a:p>
-        </p:txBody>
-      </p:sp>
-      <p:sp>
-        <p:nvSpPr>
-          <p:cNvPr id="10" name="Rounded Rectangle 9"/>
-          <p:cNvSpPr/>
-          <p:nvPr/>
-        </p:nvSpPr>
-        <p:spPr>
-          <a:xfrm>
-            <a:off x="8583116" y="3905739"/>
-            <a:ext cx="3140797" cy="819973"/>
-          </a:xfrm>
-          <a:prstGeom prst="roundRect">
-            <a:avLst/>
-          </a:prstGeom>
-          <a:noFill/>
-          <a:ln w="63500">
-            <a:solidFill>
-              <a:srgbClr val="C00000"/>
-            </a:solidFill>
-            <a:prstDash val="solid"/>
-          </a:ln>
-        </p:spPr>
-        <p:style>
-          <a:lnRef idx="2">
-            <a:schemeClr val="accent2"/>
-          </a:lnRef>
-          <a:fillRef idx="1">
-            <a:schemeClr val="lt1"/>
-          </a:fillRef>
-          <a:effectRef idx="0">
-            <a:schemeClr val="accent2"/>
-          </a:effectRef>
-          <a:fontRef idx="minor">
-            <a:schemeClr val="dk1"/>
-          </a:fontRef>
-        </p:style>
-        <p:txBody>
-          <a:bodyPr rtlCol="0" anchor="ctr"/>
-          <a:lstStyle/>
-          <a:p>
-            <a:pPr algn="ctr"/>
-            <a:endParaRPr lang="pl-PL"/>
-          </a:p>
-        </p:txBody>
-      </p:sp>
     </p:spTree>
     <p:extLst>
       <p:ext uri="{BB962C8B-B14F-4D97-AF65-F5344CB8AC3E}">
-        <p14:creationId xmlns:p14="http://schemas.microsoft.com/office/powerpoint/2010/main" val="2800569303"/>
+        <p14:creationId xmlns:p14="http://schemas.microsoft.com/office/powerpoint/2010/main" val="3656915162"/>
       </p:ext>
     </p:extLst>
   </p:cSld>
@@ -3544,75 +3317,201 @@
           <a:p>
             <a:r>
               <a:rPr lang="pl-PL" dirty="0" smtClean="0"/>
-              <a:t>Color </a:t>
-            </a:r>
-            <a:r>
-              <a:rPr lang="pl-PL" dirty="0" smtClean="0"/>
-              <a:t>contrast mode (CC)</a:t>
+              <a:t>Image analysis tab</a:t>
             </a:r>
             <a:endParaRPr lang="pl-PL" dirty="0"/>
+          </a:p>
+        </p:txBody>
+      </p:sp>
+      <p:sp>
+        <p:nvSpPr>
+          <p:cNvPr id="3" name="Content Placeholder 2"/>
+          <p:cNvSpPr>
+            <a:spLocks noGrp="1"/>
+          </p:cNvSpPr>
+          <p:nvPr>
+            <p:ph idx="1"/>
+          </p:nvPr>
+        </p:nvSpPr>
+        <p:spPr>
+          <a:xfrm>
+            <a:off x="838200" y="1825625"/>
+            <a:ext cx="7611836" cy="4771118"/>
+          </a:xfrm>
+        </p:spPr>
+        <p:txBody>
+          <a:bodyPr>
+            <a:normAutofit/>
+          </a:bodyPr>
+          <a:lstStyle/>
+          <a:p>
+            <a:pPr algn="just"/>
+            <a:r>
+              <a:rPr lang="pl-PL" sz="1800" dirty="0" smtClean="0"/>
+              <a:t>Activated when clicking the „Image analysis” header just next to the „Capture settings”.</a:t>
+            </a:r>
+          </a:p>
+          <a:p>
+            <a:pPr algn="just"/>
+            <a:r>
+              <a:rPr lang="pl-PL" sz="1800" dirty="0" smtClean="0"/>
+              <a:t>Allows you to switch between default image and different color contrast modes (as of 11.03: one working mode (CC) and one experimental (CG) ).</a:t>
+            </a:r>
+          </a:p>
+          <a:p>
+            <a:pPr algn="just"/>
+            <a:r>
+              <a:rPr lang="pl-PL" sz="1800" dirty="0" smtClean="0">
+                <a:solidFill>
+                  <a:srgbClr val="FFC000"/>
+                </a:solidFill>
+              </a:rPr>
+              <a:t>#</a:t>
+            </a:r>
+            <a:r>
+              <a:rPr lang="pl-PL" sz="1800" dirty="0" smtClean="0"/>
+              <a:t> On „Grab reference” button pressed, starts a process similiar to</a:t>
+            </a:r>
+            <a:br>
+              <a:rPr lang="pl-PL" sz="1800" dirty="0" smtClean="0"/>
+            </a:br>
+            <a:r>
+              <a:rPr lang="pl-PL" sz="1800" dirty="0" smtClean="0"/>
+              <a:t>„Grab colors”, but only one color is taken. On app start the reference is not defined and set as RGB = [0, 0, 0]. On successful color grab the label updates to show RGB values of selected point.</a:t>
+            </a:r>
+          </a:p>
+          <a:p>
+            <a:pPr algn="just"/>
+            <a:r>
+              <a:rPr lang="pl-PL" sz="1800" dirty="0" smtClean="0">
+                <a:solidFill>
+                  <a:srgbClr val="C00000"/>
+                </a:solidFill>
+              </a:rPr>
+              <a:t>#</a:t>
+            </a:r>
+            <a:r>
+              <a:rPr lang="pl-PL" sz="1800" dirty="0" smtClean="0"/>
+              <a:t> In this drop down menu you can select contrast-imagining mode:</a:t>
+            </a:r>
+          </a:p>
+          <a:p>
+            <a:pPr lvl="1" algn="just"/>
+            <a:r>
+              <a:rPr lang="pl-PL" sz="1400" dirty="0" smtClean="0"/>
+              <a:t>Default Image – grabbed screenshot with no color corrections;</a:t>
+            </a:r>
+          </a:p>
+          <a:p>
+            <a:pPr lvl="1" algn="just"/>
+            <a:r>
+              <a:rPr lang="pl-PL" sz="1400" dirty="0" smtClean="0"/>
+              <a:t>Contrast Grayscale (CG) – each point on the image gets assigned values from 0 to 255 depending on how far in color it is from the reference (255 – the color is the same);</a:t>
+            </a:r>
+          </a:p>
+          <a:p>
+            <a:pPr lvl="1" algn="just"/>
+            <a:r>
+              <a:rPr lang="pl-PL" sz="1400" dirty="0" smtClean="0"/>
+              <a:t>Contrast Color (CC) – each point’s color is multiplied by factor: (1 + C(P, R) * CEF), where: C(P, R) is color contrast between the point and reference; CEF – enhancement factor.</a:t>
+            </a:r>
+            <a:endParaRPr lang="pl-PL" sz="1800" dirty="0"/>
+          </a:p>
+          <a:p>
+            <a:pPr algn="just"/>
+            <a:r>
+              <a:rPr lang="pl-PL" sz="1800" dirty="0" smtClean="0">
+                <a:solidFill>
+                  <a:srgbClr val="D000D5"/>
+                </a:solidFill>
+              </a:rPr>
+              <a:t>#</a:t>
+            </a:r>
+            <a:r>
+              <a:rPr lang="pl-PL" sz="1800" dirty="0" smtClean="0"/>
+              <a:t> Contrast enhancement factor enhancing the color differences in CC and CG modes</a:t>
+            </a:r>
+          </a:p>
+          <a:p>
+            <a:pPr marL="457200" lvl="1" indent="0" algn="just">
+              <a:buNone/>
+            </a:pPr>
+            <a:endParaRPr lang="pl-PL" sz="800" dirty="0" smtClean="0"/>
           </a:p>
         </p:txBody>
       </p:sp>
       <p:pic>
         <p:nvPicPr>
-          <p:cNvPr id="4" name="Content Placeholder 3"/>
-          <p:cNvPicPr>
-            <a:picLocks noGrp="1" noChangeAspect="1"/>
-          </p:cNvPicPr>
-          <p:nvPr>
-            <p:ph idx="1"/>
-          </p:nvPr>
-        </p:nvPicPr>
-        <p:blipFill>
-          <a:blip r:embed="rId2">
-            <a:extLst>
-              <a:ext uri="{28A0092B-C50C-407E-A947-70E740481C1C}">
-                <a14:useLocalDpi xmlns:a14="http://schemas.microsoft.com/office/drawing/2010/main" val="0"/>
-              </a:ext>
-            </a:extLst>
-          </a:blip>
-          <a:stretch>
-            <a:fillRect/>
-          </a:stretch>
-        </p:blipFill>
-        <p:spPr>
-          <a:xfrm>
-            <a:off x="100200" y="1889147"/>
-            <a:ext cx="3788048" cy="2351821"/>
-          </a:xfrm>
-        </p:spPr>
-      </p:pic>
-      <p:pic>
-        <p:nvPicPr>
-          <p:cNvPr id="5" name="Picture 4"/>
+          <p:cNvPr id="4" name="Picture 3"/>
           <p:cNvPicPr>
             <a:picLocks noChangeAspect="1"/>
           </p:cNvPicPr>
           <p:nvPr/>
         </p:nvPicPr>
         <p:blipFill>
-          <a:blip r:embed="rId3">
-            <a:extLst>
-              <a:ext uri="{28A0092B-C50C-407E-A947-70E740481C1C}">
-                <a14:useLocalDpi xmlns:a14="http://schemas.microsoft.com/office/drawing/2010/main" val="0"/>
-              </a:ext>
-            </a:extLst>
-          </a:blip>
+          <a:blip r:embed="rId2"/>
           <a:stretch>
             <a:fillRect/>
           </a:stretch>
         </p:blipFill>
         <p:spPr>
           <a:xfrm>
-            <a:off x="8158409" y="1889146"/>
-            <a:ext cx="3788048" cy="2351821"/>
+            <a:off x="8566787" y="69925"/>
+            <a:ext cx="3204731" cy="6662051"/>
           </a:xfrm>
           <a:prstGeom prst="rect">
             <a:avLst/>
           </a:prstGeom>
         </p:spPr>
       </p:pic>
+      <p:sp>
+        <p:nvSpPr>
+          <p:cNvPr id="5" name="Rectangle 4"/>
+          <p:cNvSpPr/>
+          <p:nvPr/>
+        </p:nvSpPr>
+        <p:spPr>
+          <a:xfrm>
+            <a:off x="8433707" y="3416754"/>
+            <a:ext cx="3514725" cy="3441246"/>
+          </a:xfrm>
+          <a:prstGeom prst="rect">
+            <a:avLst/>
+          </a:prstGeom>
+          <a:solidFill>
+            <a:schemeClr val="bg1">
+              <a:alpha val="85000"/>
+            </a:schemeClr>
+          </a:solidFill>
+          <a:ln>
+            <a:noFill/>
+          </a:ln>
+        </p:spPr>
+        <p:style>
+          <a:lnRef idx="2">
+            <a:schemeClr val="accent1">
+              <a:shade val="50000"/>
+            </a:schemeClr>
+          </a:lnRef>
+          <a:fillRef idx="1">
+            <a:schemeClr val="accent1"/>
+          </a:fillRef>
+          <a:effectRef idx="0">
+            <a:schemeClr val="accent1"/>
+          </a:effectRef>
+          <a:fontRef idx="minor">
+            <a:schemeClr val="lt1"/>
+          </a:fontRef>
+        </p:style>
+        <p:txBody>
+          <a:bodyPr rtlCol="0" anchor="ctr"/>
+          <a:lstStyle/>
+          <a:p>
+            <a:pPr algn="ctr"/>
+            <a:endParaRPr lang="pl-PL"/>
+          </a:p>
+        </p:txBody>
+      </p:sp>
       <p:pic>
         <p:nvPicPr>
           <p:cNvPr id="6" name="Picture 5"/>
@@ -3622,21 +3521,15 @@
           <p:nvPr/>
         </p:nvPicPr>
         <p:blipFill>
-          <a:blip r:embed="rId4">
-            <a:extLst>
-              <a:ext uri="{28A0092B-C50C-407E-A947-70E740481C1C}">
-                <a14:useLocalDpi xmlns:a14="http://schemas.microsoft.com/office/drawing/2010/main" val="0"/>
-              </a:ext>
-            </a:extLst>
-          </a:blip>
+          <a:blip r:embed="rId3"/>
           <a:stretch>
             <a:fillRect/>
           </a:stretch>
         </p:blipFill>
         <p:spPr>
           <a:xfrm>
-            <a:off x="4133782" y="1889147"/>
-            <a:ext cx="3788048" cy="2351821"/>
+            <a:off x="8550546" y="3905740"/>
+            <a:ext cx="3220972" cy="1160199"/>
           </a:xfrm>
           <a:prstGeom prst="rect">
             <a:avLst/>
@@ -3645,101 +3538,188 @@
       </p:pic>
       <p:sp>
         <p:nvSpPr>
-          <p:cNvPr id="7" name="TextBox 6"/>
-          <p:cNvSpPr txBox="1"/>
+          <p:cNvPr id="7" name="Rounded Rectangle 6"/>
+          <p:cNvSpPr/>
           <p:nvPr/>
         </p:nvSpPr>
         <p:spPr>
           <a:xfrm>
-            <a:off x="758091" y="4402667"/>
-            <a:ext cx="2472266" cy="369332"/>
-          </a:xfrm>
-          <a:prstGeom prst="rect">
+            <a:off x="8613322" y="492891"/>
+            <a:ext cx="3110592" cy="772573"/>
+          </a:xfrm>
+          <a:prstGeom prst="roundRect">
             <a:avLst/>
           </a:prstGeom>
           <a:noFill/>
-        </p:spPr>
-        <p:txBody>
-          <a:bodyPr wrap="square" rtlCol="0">
-            <a:spAutoFit/>
-          </a:bodyPr>
+          <a:ln w="63500">
+            <a:solidFill>
+              <a:schemeClr val="accent4"/>
+            </a:solidFill>
+            <a:prstDash val="solid"/>
+          </a:ln>
+        </p:spPr>
+        <p:style>
+          <a:lnRef idx="2">
+            <a:schemeClr val="accent2"/>
+          </a:lnRef>
+          <a:fillRef idx="1">
+            <a:schemeClr val="lt1"/>
+          </a:fillRef>
+          <a:effectRef idx="0">
+            <a:schemeClr val="accent2"/>
+          </a:effectRef>
+          <a:fontRef idx="minor">
+            <a:schemeClr val="dk1"/>
+          </a:fontRef>
+        </p:style>
+        <p:txBody>
+          <a:bodyPr rtlCol="0" anchor="ctr"/>
           <a:lstStyle/>
           <a:p>
             <a:pPr algn="ctr"/>
-            <a:r>
-              <a:rPr lang="pl-PL" dirty="0" smtClean="0"/>
-              <a:t>Default image</a:t>
-            </a:r>
-            <a:endParaRPr lang="pl-PL" dirty="0"/>
-          </a:p>
-        </p:txBody>
-      </p:sp>
-      <p:sp>
-        <p:nvSpPr>
-          <p:cNvPr id="8" name="TextBox 7"/>
-          <p:cNvSpPr txBox="1"/>
+            <a:endParaRPr lang="pl-PL"/>
+          </a:p>
+        </p:txBody>
+      </p:sp>
+      <p:sp>
+        <p:nvSpPr>
+          <p:cNvPr id="8" name="Rounded Rectangle 7"/>
+          <p:cNvSpPr/>
           <p:nvPr/>
         </p:nvSpPr>
         <p:spPr>
           <a:xfrm>
-            <a:off x="4791673" y="4402667"/>
-            <a:ext cx="2472266" cy="369332"/>
-          </a:xfrm>
-          <a:prstGeom prst="rect">
+            <a:off x="8613322" y="1265465"/>
+            <a:ext cx="3110592" cy="289832"/>
+          </a:xfrm>
+          <a:prstGeom prst="roundRect">
             <a:avLst/>
           </a:prstGeom>
           <a:noFill/>
-        </p:spPr>
-        <p:txBody>
-          <a:bodyPr wrap="square" rtlCol="0">
-            <a:spAutoFit/>
-          </a:bodyPr>
+          <a:ln w="63500">
+            <a:solidFill>
+              <a:srgbClr val="C00000"/>
+            </a:solidFill>
+            <a:prstDash val="solid"/>
+          </a:ln>
+        </p:spPr>
+        <p:style>
+          <a:lnRef idx="2">
+            <a:schemeClr val="accent2"/>
+          </a:lnRef>
+          <a:fillRef idx="1">
+            <a:schemeClr val="lt1"/>
+          </a:fillRef>
+          <a:effectRef idx="0">
+            <a:schemeClr val="accent2"/>
+          </a:effectRef>
+          <a:fontRef idx="minor">
+            <a:schemeClr val="dk1"/>
+          </a:fontRef>
+        </p:style>
+        <p:txBody>
+          <a:bodyPr rtlCol="0" anchor="ctr"/>
           <a:lstStyle/>
           <a:p>
             <a:pPr algn="ctr"/>
-            <a:r>
-              <a:rPr lang="pl-PL" dirty="0" smtClean="0"/>
-              <a:t>CC image with CEF = 1</a:t>
-            </a:r>
-            <a:endParaRPr lang="pl-PL" dirty="0"/>
-          </a:p>
-        </p:txBody>
-      </p:sp>
-      <p:sp>
-        <p:nvSpPr>
-          <p:cNvPr id="9" name="TextBox 8"/>
-          <p:cNvSpPr txBox="1"/>
+            <a:endParaRPr lang="pl-PL"/>
+          </a:p>
+        </p:txBody>
+      </p:sp>
+      <p:sp>
+        <p:nvSpPr>
+          <p:cNvPr id="9" name="Rounded Rectangle 8"/>
+          <p:cNvSpPr/>
           <p:nvPr/>
         </p:nvSpPr>
         <p:spPr>
           <a:xfrm>
-            <a:off x="8816300" y="4402667"/>
-            <a:ext cx="2472266" cy="369332"/>
-          </a:xfrm>
-          <a:prstGeom prst="rect">
+            <a:off x="8613321" y="1562701"/>
+            <a:ext cx="3110593" cy="879068"/>
+          </a:xfrm>
+          <a:prstGeom prst="roundRect">
             <a:avLst/>
           </a:prstGeom>
           <a:noFill/>
-        </p:spPr>
-        <p:txBody>
-          <a:bodyPr wrap="square" rtlCol="0">
-            <a:spAutoFit/>
-          </a:bodyPr>
+          <a:ln w="63500">
+            <a:solidFill>
+              <a:srgbClr val="D000D5"/>
+            </a:solidFill>
+            <a:prstDash val="solid"/>
+          </a:ln>
+        </p:spPr>
+        <p:style>
+          <a:lnRef idx="2">
+            <a:schemeClr val="accent2"/>
+          </a:lnRef>
+          <a:fillRef idx="1">
+            <a:schemeClr val="lt1"/>
+          </a:fillRef>
+          <a:effectRef idx="0">
+            <a:schemeClr val="accent2"/>
+          </a:effectRef>
+          <a:fontRef idx="minor">
+            <a:schemeClr val="dk1"/>
+          </a:fontRef>
+        </p:style>
+        <p:txBody>
+          <a:bodyPr rtlCol="0" anchor="ctr"/>
           <a:lstStyle/>
           <a:p>
             <a:pPr algn="ctr"/>
-            <a:r>
-              <a:rPr lang="pl-PL" dirty="0" smtClean="0"/>
-              <a:t>CC image with CEF = 5</a:t>
-            </a:r>
-            <a:endParaRPr lang="pl-PL" dirty="0"/>
+            <a:endParaRPr lang="pl-PL"/>
+          </a:p>
+        </p:txBody>
+      </p:sp>
+      <p:sp>
+        <p:nvSpPr>
+          <p:cNvPr id="10" name="Rounded Rectangle 9"/>
+          <p:cNvSpPr/>
+          <p:nvPr/>
+        </p:nvSpPr>
+        <p:spPr>
+          <a:xfrm>
+            <a:off x="8583116" y="3905739"/>
+            <a:ext cx="3140797" cy="819973"/>
+          </a:xfrm>
+          <a:prstGeom prst="roundRect">
+            <a:avLst/>
+          </a:prstGeom>
+          <a:noFill/>
+          <a:ln w="63500">
+            <a:solidFill>
+              <a:srgbClr val="C00000"/>
+            </a:solidFill>
+            <a:prstDash val="solid"/>
+          </a:ln>
+        </p:spPr>
+        <p:style>
+          <a:lnRef idx="2">
+            <a:schemeClr val="accent2"/>
+          </a:lnRef>
+          <a:fillRef idx="1">
+            <a:schemeClr val="lt1"/>
+          </a:fillRef>
+          <a:effectRef idx="0">
+            <a:schemeClr val="accent2"/>
+          </a:effectRef>
+          <a:fontRef idx="minor">
+            <a:schemeClr val="dk1"/>
+          </a:fontRef>
+        </p:style>
+        <p:txBody>
+          <a:bodyPr rtlCol="0" anchor="ctr"/>
+          <a:lstStyle/>
+          <a:p>
+            <a:pPr algn="ctr"/>
+            <a:endParaRPr lang="pl-PL"/>
           </a:p>
         </p:txBody>
       </p:sp>
     </p:spTree>
     <p:extLst>
       <p:ext uri="{BB962C8B-B14F-4D97-AF65-F5344CB8AC3E}">
-        <p14:creationId xmlns:p14="http://schemas.microsoft.com/office/powerpoint/2010/main" val="1431809502"/>
+        <p14:creationId xmlns:p14="http://schemas.microsoft.com/office/powerpoint/2010/main" val="2800569303"/>
       </p:ext>
     </p:extLst>
   </p:cSld>
@@ -3783,7 +3763,7 @@
           <a:p>
             <a:r>
               <a:rPr lang="pl-PL" dirty="0" smtClean="0"/>
-              <a:t>Grayscale contrast mode (CG)</a:t>
+              <a:t>Color contrast mode (CC)</a:t>
             </a:r>
             <a:endParaRPr lang="pl-PL" dirty="0"/>
           </a:p>
@@ -3841,7 +3821,7 @@
         <p:spPr>
           <a:xfrm>
             <a:off x="8158409" y="1889146"/>
-            <a:ext cx="3788047" cy="2351821"/>
+            <a:ext cx="3788048" cy="2351821"/>
           </a:xfrm>
           <a:prstGeom prst="rect">
             <a:avLst/>
@@ -3871,7 +3851,7 @@
         <p:spPr>
           <a:xfrm>
             <a:off x="4133782" y="1889147"/>
-            <a:ext cx="3788047" cy="2351821"/>
+            <a:ext cx="3788048" cy="2351821"/>
           </a:xfrm>
           <a:prstGeom prst="rect">
             <a:avLst/>
@@ -3971,41 +3951,10 @@
           </a:p>
         </p:txBody>
       </p:sp>
-      <p:sp>
-        <p:nvSpPr>
-          <p:cNvPr id="10" name="TextBox 9"/>
-          <p:cNvSpPr txBox="1"/>
-          <p:nvPr/>
-        </p:nvSpPr>
-        <p:spPr>
-          <a:xfrm>
-            <a:off x="9355656" y="1519814"/>
-            <a:ext cx="2590800" cy="369332"/>
-          </a:xfrm>
-          <a:prstGeom prst="rect">
-            <a:avLst/>
-          </a:prstGeom>
-          <a:noFill/>
-        </p:spPr>
-        <p:txBody>
-          <a:bodyPr wrap="square" rtlCol="0">
-            <a:spAutoFit/>
-          </a:bodyPr>
-          <a:lstStyle/>
-          <a:p>
-            <a:pPr algn="r"/>
-            <a:r>
-              <a:rPr lang="pl-PL" dirty="0" smtClean="0"/>
-              <a:t>buggy</a:t>
-            </a:r>
-            <a:endParaRPr lang="pl-PL" dirty="0"/>
-          </a:p>
-        </p:txBody>
-      </p:sp>
     </p:spTree>
     <p:extLst>
       <p:ext uri="{BB962C8B-B14F-4D97-AF65-F5344CB8AC3E}">
-        <p14:creationId xmlns:p14="http://schemas.microsoft.com/office/powerpoint/2010/main" val="1793257713"/>
+        <p14:creationId xmlns:p14="http://schemas.microsoft.com/office/powerpoint/2010/main" val="1431809502"/>
       </p:ext>
     </p:extLst>
   </p:cSld>
@@ -4049,131 +3998,233 @@
           <a:p>
             <a:r>
               <a:rPr lang="pl-PL" dirty="0" smtClean="0"/>
-              <a:t>File save settings</a:t>
+              <a:t>Grayscale contrast mode (CG)</a:t>
             </a:r>
             <a:endParaRPr lang="pl-PL" dirty="0"/>
-          </a:p>
-        </p:txBody>
-      </p:sp>
-      <p:sp>
-        <p:nvSpPr>
-          <p:cNvPr id="3" name="Content Placeholder 2"/>
-          <p:cNvSpPr>
-            <a:spLocks noGrp="1"/>
-          </p:cNvSpPr>
-          <p:nvPr>
-            <p:ph idx="1"/>
-          </p:nvPr>
-        </p:nvSpPr>
-        <p:spPr>
-          <a:xfrm>
-            <a:off x="838200" y="1825625"/>
-            <a:ext cx="7611836" cy="4771118"/>
-          </a:xfrm>
-        </p:spPr>
-        <p:txBody>
-          <a:bodyPr>
-            <a:normAutofit/>
-          </a:bodyPr>
-          <a:lstStyle/>
-          <a:p>
-            <a:pPr algn="just"/>
-            <a:r>
-              <a:rPr lang="pl-PL" sz="2400" dirty="0" smtClean="0"/>
-              <a:t>Available all the time just below the settings tabs.</a:t>
-            </a:r>
-          </a:p>
-          <a:p>
-            <a:pPr algn="just"/>
-            <a:r>
-              <a:rPr lang="pl-PL" sz="2400" dirty="0" smtClean="0"/>
-              <a:t>Generally used to save images from the app.</a:t>
-            </a:r>
-          </a:p>
-          <a:p>
-            <a:pPr marL="457200" lvl="1" indent="0" algn="just">
-              <a:buNone/>
-            </a:pPr>
-            <a:endParaRPr lang="pl-PL" sz="1000" dirty="0" smtClean="0"/>
           </a:p>
         </p:txBody>
       </p:sp>
       <p:pic>
         <p:nvPicPr>
-          <p:cNvPr id="4" name="Picture 3"/>
+          <p:cNvPr id="4" name="Content Placeholder 3"/>
+          <p:cNvPicPr>
+            <a:picLocks noGrp="1" noChangeAspect="1"/>
+          </p:cNvPicPr>
+          <p:nvPr>
+            <p:ph idx="1"/>
+          </p:nvPr>
+        </p:nvPicPr>
+        <p:blipFill>
+          <a:blip r:embed="rId2">
+            <a:extLst>
+              <a:ext uri="{28A0092B-C50C-407E-A947-70E740481C1C}">
+                <a14:useLocalDpi xmlns:a14="http://schemas.microsoft.com/office/drawing/2010/main" val="0"/>
+              </a:ext>
+            </a:extLst>
+          </a:blip>
+          <a:stretch>
+            <a:fillRect/>
+          </a:stretch>
+        </p:blipFill>
+        <p:spPr>
+          <a:xfrm>
+            <a:off x="100200" y="1889147"/>
+            <a:ext cx="3788048" cy="2351821"/>
+          </a:xfrm>
+        </p:spPr>
+      </p:pic>
+      <p:pic>
+        <p:nvPicPr>
+          <p:cNvPr id="5" name="Picture 4"/>
           <p:cNvPicPr>
             <a:picLocks noChangeAspect="1"/>
           </p:cNvPicPr>
           <p:nvPr/>
         </p:nvPicPr>
         <p:blipFill>
-          <a:blip r:embed="rId2"/>
+          <a:blip r:embed="rId3">
+            <a:extLst>
+              <a:ext uri="{28A0092B-C50C-407E-A947-70E740481C1C}">
+                <a14:useLocalDpi xmlns:a14="http://schemas.microsoft.com/office/drawing/2010/main" val="0"/>
+              </a:ext>
+            </a:extLst>
+          </a:blip>
           <a:stretch>
             <a:fillRect/>
           </a:stretch>
         </p:blipFill>
         <p:spPr>
           <a:xfrm>
-            <a:off x="8566787" y="69925"/>
-            <a:ext cx="3204731" cy="6662051"/>
+            <a:off x="8158409" y="1889146"/>
+            <a:ext cx="3788047" cy="2351821"/>
           </a:xfrm>
           <a:prstGeom prst="rect">
             <a:avLst/>
           </a:prstGeom>
         </p:spPr>
       </p:pic>
-      <p:sp>
-        <p:nvSpPr>
-          <p:cNvPr id="5" name="Rectangle 4"/>
-          <p:cNvSpPr/>
+      <p:pic>
+        <p:nvPicPr>
+          <p:cNvPr id="6" name="Picture 5"/>
+          <p:cNvPicPr>
+            <a:picLocks noChangeAspect="1"/>
+          </p:cNvPicPr>
           <p:nvPr/>
-        </p:nvSpPr>
-        <p:spPr>
-          <a:xfrm>
-            <a:off x="8450036" y="69925"/>
-            <a:ext cx="3514725" cy="3791782"/>
+        </p:nvPicPr>
+        <p:blipFill>
+          <a:blip r:embed="rId4">
+            <a:extLst>
+              <a:ext uri="{28A0092B-C50C-407E-A947-70E740481C1C}">
+                <a14:useLocalDpi xmlns:a14="http://schemas.microsoft.com/office/drawing/2010/main" val="0"/>
+              </a:ext>
+            </a:extLst>
+          </a:blip>
+          <a:stretch>
+            <a:fillRect/>
+          </a:stretch>
+        </p:blipFill>
+        <p:spPr>
+          <a:xfrm>
+            <a:off x="4133782" y="1889147"/>
+            <a:ext cx="3788047" cy="2351821"/>
           </a:xfrm>
           <a:prstGeom prst="rect">
             <a:avLst/>
           </a:prstGeom>
-          <a:solidFill>
-            <a:schemeClr val="bg1">
-              <a:alpha val="85000"/>
-            </a:schemeClr>
-          </a:solidFill>
-          <a:ln>
-            <a:noFill/>
-          </a:ln>
-        </p:spPr>
-        <p:style>
-          <a:lnRef idx="2">
-            <a:schemeClr val="accent1">
-              <a:shade val="50000"/>
-            </a:schemeClr>
-          </a:lnRef>
-          <a:fillRef idx="1">
-            <a:schemeClr val="accent1"/>
-          </a:fillRef>
-          <a:effectRef idx="0">
-            <a:schemeClr val="accent1"/>
-          </a:effectRef>
-          <a:fontRef idx="minor">
-            <a:schemeClr val="lt1"/>
-          </a:fontRef>
-        </p:style>
-        <p:txBody>
-          <a:bodyPr rtlCol="0" anchor="ctr"/>
+        </p:spPr>
+      </p:pic>
+      <p:sp>
+        <p:nvSpPr>
+          <p:cNvPr id="7" name="TextBox 6"/>
+          <p:cNvSpPr txBox="1"/>
+          <p:nvPr/>
+        </p:nvSpPr>
+        <p:spPr>
+          <a:xfrm>
+            <a:off x="758091" y="4402667"/>
+            <a:ext cx="2472266" cy="369332"/>
+          </a:xfrm>
+          <a:prstGeom prst="rect">
+            <a:avLst/>
+          </a:prstGeom>
+          <a:noFill/>
+        </p:spPr>
+        <p:txBody>
+          <a:bodyPr wrap="square" rtlCol="0">
+            <a:spAutoFit/>
+          </a:bodyPr>
           <a:lstStyle/>
           <a:p>
             <a:pPr algn="ctr"/>
-            <a:endParaRPr lang="pl-PL"/>
+            <a:r>
+              <a:rPr lang="pl-PL" dirty="0" smtClean="0"/>
+              <a:t>Default image</a:t>
+            </a:r>
+            <a:endParaRPr lang="pl-PL" dirty="0"/>
+          </a:p>
+        </p:txBody>
+      </p:sp>
+      <p:sp>
+        <p:nvSpPr>
+          <p:cNvPr id="8" name="TextBox 7"/>
+          <p:cNvSpPr txBox="1"/>
+          <p:nvPr/>
+        </p:nvSpPr>
+        <p:spPr>
+          <a:xfrm>
+            <a:off x="4791673" y="4402667"/>
+            <a:ext cx="2472266" cy="369332"/>
+          </a:xfrm>
+          <a:prstGeom prst="rect">
+            <a:avLst/>
+          </a:prstGeom>
+          <a:noFill/>
+        </p:spPr>
+        <p:txBody>
+          <a:bodyPr wrap="square" rtlCol="0">
+            <a:spAutoFit/>
+          </a:bodyPr>
+          <a:lstStyle/>
+          <a:p>
+            <a:pPr algn="ctr"/>
+            <a:r>
+              <a:rPr lang="pl-PL" dirty="0" smtClean="0"/>
+              <a:t>CC image with CEF = 1</a:t>
+            </a:r>
+            <a:endParaRPr lang="pl-PL" dirty="0"/>
+          </a:p>
+        </p:txBody>
+      </p:sp>
+      <p:sp>
+        <p:nvSpPr>
+          <p:cNvPr id="9" name="TextBox 8"/>
+          <p:cNvSpPr txBox="1"/>
+          <p:nvPr/>
+        </p:nvSpPr>
+        <p:spPr>
+          <a:xfrm>
+            <a:off x="8816300" y="4402667"/>
+            <a:ext cx="2472266" cy="369332"/>
+          </a:xfrm>
+          <a:prstGeom prst="rect">
+            <a:avLst/>
+          </a:prstGeom>
+          <a:noFill/>
+        </p:spPr>
+        <p:txBody>
+          <a:bodyPr wrap="square" rtlCol="0">
+            <a:spAutoFit/>
+          </a:bodyPr>
+          <a:lstStyle/>
+          <a:p>
+            <a:pPr algn="ctr"/>
+            <a:r>
+              <a:rPr lang="pl-PL" dirty="0" smtClean="0"/>
+              <a:t>CC image with CEF = 5</a:t>
+            </a:r>
+            <a:endParaRPr lang="pl-PL" dirty="0"/>
+          </a:p>
+        </p:txBody>
+      </p:sp>
+      <p:sp>
+        <p:nvSpPr>
+          <p:cNvPr id="10" name="TextBox 9"/>
+          <p:cNvSpPr txBox="1"/>
+          <p:nvPr/>
+        </p:nvSpPr>
+        <p:spPr>
+          <a:xfrm>
+            <a:off x="9355656" y="1519814"/>
+            <a:ext cx="2590800" cy="369332"/>
+          </a:xfrm>
+          <a:prstGeom prst="rect">
+            <a:avLst/>
+          </a:prstGeom>
+          <a:noFill/>
+        </p:spPr>
+        <p:txBody>
+          <a:bodyPr wrap="square" rtlCol="0">
+            <a:spAutoFit/>
+          </a:bodyPr>
+          <a:lstStyle/>
+          <a:p>
+            <a:pPr algn="r"/>
+            <a:r>
+              <a:rPr lang="pl-PL" dirty="0"/>
+              <a:t>b</a:t>
+            </a:r>
+            <a:r>
+              <a:rPr lang="pl-PL" dirty="0" smtClean="0"/>
+              <a:t>uggy – work in progress</a:t>
+            </a:r>
+            <a:endParaRPr lang="pl-PL" dirty="0"/>
           </a:p>
         </p:txBody>
       </p:sp>
     </p:spTree>
     <p:extLst>
       <p:ext uri="{BB962C8B-B14F-4D97-AF65-F5344CB8AC3E}">
-        <p14:creationId xmlns:p14="http://schemas.microsoft.com/office/powerpoint/2010/main" val="713895320"/>
+        <p14:creationId xmlns:p14="http://schemas.microsoft.com/office/powerpoint/2010/main" val="1793257713"/>
       </p:ext>
     </p:extLst>
   </p:cSld>
@@ -4247,25 +4298,22 @@
           <a:p>
             <a:pPr algn="just"/>
             <a:r>
-              <a:rPr lang="pl-PL" sz="2400" dirty="0" smtClean="0">
-                <a:solidFill>
-                  <a:srgbClr val="FFC000"/>
-                </a:solidFill>
-              </a:rPr>
-              <a:t>#</a:t>
-            </a:r>
-            <a:r>
               <a:rPr lang="pl-PL" sz="2400" dirty="0" smtClean="0"/>
-              <a:t> Folder location lets you specify at which location you want to save your files. In the label you can read and write the location.</a:t>
+              <a:t>Available all the time just below the settings tabs.</a:t>
             </a:r>
           </a:p>
           <a:p>
             <a:pPr algn="just"/>
             <a:r>
               <a:rPr lang="pl-PL" sz="2400" dirty="0" smtClean="0"/>
-              <a:t>On „Browse” button press, a system window will open, which lets you choose the location.</a:t>
-            </a:r>
-            <a:endParaRPr lang="pl-PL" sz="2400" dirty="0" smtClean="0"/>
+              <a:t>Generally used to save images from the app.</a:t>
+            </a:r>
+          </a:p>
+          <a:p>
+            <a:pPr marL="457200" lvl="1" indent="0" algn="just">
+              <a:buNone/>
+            </a:pPr>
+            <a:endParaRPr lang="pl-PL" sz="1000" dirty="0" smtClean="0"/>
           </a:p>
         </p:txBody>
       </p:sp>
@@ -4341,55 +4389,10 @@
           </a:p>
         </p:txBody>
       </p:sp>
-      <p:sp>
-        <p:nvSpPr>
-          <p:cNvPr id="6" name="Rounded Rectangle 5"/>
-          <p:cNvSpPr/>
-          <p:nvPr/>
-        </p:nvSpPr>
-        <p:spPr>
-          <a:xfrm>
-            <a:off x="8613856" y="4256628"/>
-            <a:ext cx="3110592" cy="515398"/>
-          </a:xfrm>
-          <a:prstGeom prst="roundRect">
-            <a:avLst/>
-          </a:prstGeom>
-          <a:noFill/>
-          <a:ln w="63500">
-            <a:solidFill>
-              <a:schemeClr val="accent4"/>
-            </a:solidFill>
-            <a:prstDash val="solid"/>
-          </a:ln>
-        </p:spPr>
-        <p:style>
-          <a:lnRef idx="2">
-            <a:schemeClr val="accent2"/>
-          </a:lnRef>
-          <a:fillRef idx="1">
-            <a:schemeClr val="lt1"/>
-          </a:fillRef>
-          <a:effectRef idx="0">
-            <a:schemeClr val="accent2"/>
-          </a:effectRef>
-          <a:fontRef idx="minor">
-            <a:schemeClr val="dk1"/>
-          </a:fontRef>
-        </p:style>
-        <p:txBody>
-          <a:bodyPr rtlCol="0" anchor="ctr"/>
-          <a:lstStyle/>
-          <a:p>
-            <a:pPr algn="ctr"/>
-            <a:endParaRPr lang="pl-PL"/>
-          </a:p>
-        </p:txBody>
-      </p:sp>
     </p:spTree>
     <p:extLst>
       <p:ext uri="{BB962C8B-B14F-4D97-AF65-F5344CB8AC3E}">
-        <p14:creationId xmlns:p14="http://schemas.microsoft.com/office/powerpoint/2010/main" val="1395039037"/>
+        <p14:creationId xmlns:p14="http://schemas.microsoft.com/office/powerpoint/2010/main" val="713895320"/>
       </p:ext>
     </p:extLst>
   </p:cSld>
@@ -4465,90 +4468,22 @@
             <a:r>
               <a:rPr lang="pl-PL" sz="2400" dirty="0" smtClean="0">
                 <a:solidFill>
-                  <a:srgbClr val="C00000"/>
+                  <a:srgbClr val="FFC000"/>
                 </a:solidFill>
               </a:rPr>
               <a:t>#</a:t>
             </a:r>
             <a:r>
               <a:rPr lang="pl-PL" sz="2400" dirty="0" smtClean="0"/>
-              <a:t> There you can specify the name of your file. The label at the bottom, just above the „Save” button, is „read” and „write” for filename.</a:t>
+              <a:t> Folder location lets you specify at which location you want to save your files. In the label you can read and write the location.</a:t>
             </a:r>
           </a:p>
           <a:p>
             <a:pPr algn="just"/>
             <a:r>
               <a:rPr lang="pl-PL" sz="2400" dirty="0" smtClean="0"/>
-              <a:t>On „Fixed name” unchecked, you can edit the filename manually (writtable in the label). On checked you can enable other options of file naming:</a:t>
-            </a:r>
-          </a:p>
-          <a:p>
-            <a:pPr lvl="1" algn="just"/>
-            <a:r>
-              <a:rPr lang="pl-PL" sz="2000" dirty="0" smtClean="0"/>
-              <a:t>Flake number – number specified in the spin box in the right;</a:t>
-            </a:r>
-          </a:p>
-          <a:p>
-            <a:pPr lvl="1" algn="just"/>
-            <a:r>
-              <a:rPr lang="pl-PL" sz="2000" dirty="0" smtClean="0"/>
-              <a:t>Display mode – appends a flag describing the display mode used (</a:t>
-            </a:r>
-            <a:r>
-              <a:rPr lang="pl-PL" sz="2000" i="1" dirty="0" smtClean="0"/>
-              <a:t>raw</a:t>
-            </a:r>
-            <a:r>
-              <a:rPr lang="pl-PL" sz="2000" dirty="0" smtClean="0"/>
-              <a:t> for Default, </a:t>
-            </a:r>
-            <a:r>
-              <a:rPr lang="pl-PL" sz="2000" i="1" dirty="0" smtClean="0"/>
-              <a:t>grayscale</a:t>
-            </a:r>
-            <a:r>
-              <a:rPr lang="pl-PL" sz="2000" dirty="0" smtClean="0"/>
-              <a:t> for CG, </a:t>
-            </a:r>
-            <a:r>
-              <a:rPr lang="pl-PL" sz="2000" i="1" dirty="0" smtClean="0"/>
-              <a:t>contrast</a:t>
-            </a:r>
-            <a:r>
-              <a:rPr lang="pl-PL" sz="2000" dirty="0" smtClean="0"/>
-              <a:t> for CC);</a:t>
-            </a:r>
-          </a:p>
-          <a:p>
-            <a:pPr lvl="1" algn="just"/>
-            <a:r>
-              <a:rPr lang="pl-PL" sz="2000" dirty="0" smtClean="0"/>
-              <a:t>Date &amp; time – appends time in format HH_MM_SS;</a:t>
-            </a:r>
-          </a:p>
-          <a:p>
-            <a:pPr lvl="1" algn="just"/>
-            <a:r>
-              <a:rPr lang="pl-PL" sz="2000" dirty="0" smtClean="0"/>
-              <a:t>Buttons for microscope zoom to choose the magnification used (not possible to disable).</a:t>
-            </a:r>
-            <a:endParaRPr lang="pl-PL" sz="2400" dirty="0" smtClean="0"/>
-          </a:p>
-          <a:p>
-            <a:pPr algn="just"/>
-            <a:r>
-              <a:rPr lang="pl-PL" sz="2400" dirty="0"/>
-              <a:t> </a:t>
-            </a:r>
-            <a:r>
-              <a:rPr lang="pl-PL" sz="2400" dirty="0" smtClean="0"/>
-              <a:t>On „Save” button press the image is saved.</a:t>
-            </a:r>
-          </a:p>
-          <a:p>
-            <a:pPr lvl="1" algn="just"/>
-            <a:endParaRPr lang="pl-PL" sz="2000" dirty="0" smtClean="0"/>
+              <a:t>On „Browse” button press, a system window will open, which lets you choose the location.</a:t>
+            </a:r>
           </a:p>
         </p:txBody>
       </p:sp>
@@ -4632,8 +4567,8 @@
         </p:nvSpPr>
         <p:spPr>
           <a:xfrm>
-            <a:off x="8523514" y="4645478"/>
-            <a:ext cx="3248004" cy="2086497"/>
+            <a:off x="8613856" y="4256628"/>
+            <a:ext cx="3110592" cy="515398"/>
           </a:xfrm>
           <a:prstGeom prst="roundRect">
             <a:avLst/>
@@ -4641,7 +4576,7 @@
           <a:noFill/>
           <a:ln w="63500">
             <a:solidFill>
-              <a:srgbClr val="C00000"/>
+              <a:schemeClr val="accent4"/>
             </a:solidFill>
             <a:prstDash val="solid"/>
           </a:ln>
@@ -4672,7 +4607,7 @@
     </p:spTree>
     <p:extLst>
       <p:ext uri="{BB962C8B-B14F-4D97-AF65-F5344CB8AC3E}">
-        <p14:creationId xmlns:p14="http://schemas.microsoft.com/office/powerpoint/2010/main" val="1292110960"/>
+        <p14:creationId xmlns:p14="http://schemas.microsoft.com/office/powerpoint/2010/main" val="1395039037"/>
       </p:ext>
     </p:extLst>
   </p:cSld>
@@ -4716,6 +4651,289 @@
           <a:p>
             <a:r>
               <a:rPr lang="pl-PL" dirty="0" smtClean="0"/>
+              <a:t>File save settings</a:t>
+            </a:r>
+            <a:endParaRPr lang="pl-PL" dirty="0"/>
+          </a:p>
+        </p:txBody>
+      </p:sp>
+      <p:sp>
+        <p:nvSpPr>
+          <p:cNvPr id="3" name="Content Placeholder 2"/>
+          <p:cNvSpPr>
+            <a:spLocks noGrp="1"/>
+          </p:cNvSpPr>
+          <p:nvPr>
+            <p:ph idx="1"/>
+          </p:nvPr>
+        </p:nvSpPr>
+        <p:spPr>
+          <a:xfrm>
+            <a:off x="838200" y="1825625"/>
+            <a:ext cx="7611836" cy="4771118"/>
+          </a:xfrm>
+        </p:spPr>
+        <p:txBody>
+          <a:bodyPr>
+            <a:normAutofit/>
+          </a:bodyPr>
+          <a:lstStyle/>
+          <a:p>
+            <a:pPr algn="just"/>
+            <a:r>
+              <a:rPr lang="pl-PL" sz="2400" dirty="0" smtClean="0">
+                <a:solidFill>
+                  <a:srgbClr val="C00000"/>
+                </a:solidFill>
+              </a:rPr>
+              <a:t>#</a:t>
+            </a:r>
+            <a:r>
+              <a:rPr lang="pl-PL" sz="2400" dirty="0" smtClean="0"/>
+              <a:t> There you can specify the name of your file. The label at the bottom, just above the „Save” button, is „read” and „write” for filename.</a:t>
+            </a:r>
+          </a:p>
+          <a:p>
+            <a:pPr algn="just"/>
+            <a:r>
+              <a:rPr lang="pl-PL" sz="2400" dirty="0" smtClean="0"/>
+              <a:t>On „Fixed name” unchecked, you can edit the filename manually (writtable in the label). On checked you can enable other options of file naming:</a:t>
+            </a:r>
+          </a:p>
+          <a:p>
+            <a:pPr lvl="1" algn="just"/>
+            <a:r>
+              <a:rPr lang="pl-PL" sz="2000" dirty="0" smtClean="0"/>
+              <a:t>Flake number – number specified in the spin box in the right;</a:t>
+            </a:r>
+          </a:p>
+          <a:p>
+            <a:pPr lvl="1" algn="just"/>
+            <a:r>
+              <a:rPr lang="pl-PL" sz="2000" dirty="0" smtClean="0"/>
+              <a:t>Display mode – appends a flag describing the display mode used (</a:t>
+            </a:r>
+            <a:r>
+              <a:rPr lang="pl-PL" sz="2000" i="1" dirty="0" smtClean="0"/>
+              <a:t>raw</a:t>
+            </a:r>
+            <a:r>
+              <a:rPr lang="pl-PL" sz="2000" dirty="0" smtClean="0"/>
+              <a:t> for Default, </a:t>
+            </a:r>
+            <a:r>
+              <a:rPr lang="pl-PL" sz="2000" i="1" dirty="0" smtClean="0"/>
+              <a:t>grayscale</a:t>
+            </a:r>
+            <a:r>
+              <a:rPr lang="pl-PL" sz="2000" dirty="0" smtClean="0"/>
+              <a:t> for CG, </a:t>
+            </a:r>
+            <a:r>
+              <a:rPr lang="pl-PL" sz="2000" i="1" dirty="0" smtClean="0"/>
+              <a:t>contrast</a:t>
+            </a:r>
+            <a:r>
+              <a:rPr lang="pl-PL" sz="2000" dirty="0" smtClean="0"/>
+              <a:t> for CC);</a:t>
+            </a:r>
+          </a:p>
+          <a:p>
+            <a:pPr lvl="1" algn="just"/>
+            <a:r>
+              <a:rPr lang="pl-PL" sz="2000" dirty="0" smtClean="0"/>
+              <a:t>Date &amp; time – appends time in format HH_MM_SS;</a:t>
+            </a:r>
+          </a:p>
+          <a:p>
+            <a:pPr lvl="1" algn="just"/>
+            <a:r>
+              <a:rPr lang="pl-PL" sz="2000" dirty="0" smtClean="0"/>
+              <a:t>Buttons for microscope zoom to choose the magnification used (not possible to disable).</a:t>
+            </a:r>
+            <a:endParaRPr lang="pl-PL" sz="2400" dirty="0" smtClean="0"/>
+          </a:p>
+          <a:p>
+            <a:pPr algn="just"/>
+            <a:r>
+              <a:rPr lang="pl-PL" sz="2400" dirty="0"/>
+              <a:t> </a:t>
+            </a:r>
+            <a:r>
+              <a:rPr lang="pl-PL" sz="2400" dirty="0" smtClean="0"/>
+              <a:t>On „Save” button press the image is saved.</a:t>
+            </a:r>
+          </a:p>
+          <a:p>
+            <a:pPr lvl="1" algn="just"/>
+            <a:endParaRPr lang="pl-PL" sz="2000" dirty="0" smtClean="0"/>
+          </a:p>
+        </p:txBody>
+      </p:sp>
+      <p:pic>
+        <p:nvPicPr>
+          <p:cNvPr id="4" name="Picture 3"/>
+          <p:cNvPicPr>
+            <a:picLocks noChangeAspect="1"/>
+          </p:cNvPicPr>
+          <p:nvPr/>
+        </p:nvPicPr>
+        <p:blipFill>
+          <a:blip r:embed="rId2"/>
+          <a:stretch>
+            <a:fillRect/>
+          </a:stretch>
+        </p:blipFill>
+        <p:spPr>
+          <a:xfrm>
+            <a:off x="8566787" y="69925"/>
+            <a:ext cx="3204731" cy="6662051"/>
+          </a:xfrm>
+          <a:prstGeom prst="rect">
+            <a:avLst/>
+          </a:prstGeom>
+        </p:spPr>
+      </p:pic>
+      <p:sp>
+        <p:nvSpPr>
+          <p:cNvPr id="5" name="Rectangle 4"/>
+          <p:cNvSpPr/>
+          <p:nvPr/>
+        </p:nvSpPr>
+        <p:spPr>
+          <a:xfrm>
+            <a:off x="8450036" y="69925"/>
+            <a:ext cx="3514725" cy="3791782"/>
+          </a:xfrm>
+          <a:prstGeom prst="rect">
+            <a:avLst/>
+          </a:prstGeom>
+          <a:solidFill>
+            <a:schemeClr val="bg1">
+              <a:alpha val="85000"/>
+            </a:schemeClr>
+          </a:solidFill>
+          <a:ln>
+            <a:noFill/>
+          </a:ln>
+        </p:spPr>
+        <p:style>
+          <a:lnRef idx="2">
+            <a:schemeClr val="accent1">
+              <a:shade val="50000"/>
+            </a:schemeClr>
+          </a:lnRef>
+          <a:fillRef idx="1">
+            <a:schemeClr val="accent1"/>
+          </a:fillRef>
+          <a:effectRef idx="0">
+            <a:schemeClr val="accent1"/>
+          </a:effectRef>
+          <a:fontRef idx="minor">
+            <a:schemeClr val="lt1"/>
+          </a:fontRef>
+        </p:style>
+        <p:txBody>
+          <a:bodyPr rtlCol="0" anchor="ctr"/>
+          <a:lstStyle/>
+          <a:p>
+            <a:pPr algn="ctr"/>
+            <a:endParaRPr lang="pl-PL"/>
+          </a:p>
+        </p:txBody>
+      </p:sp>
+      <p:sp>
+        <p:nvSpPr>
+          <p:cNvPr id="6" name="Rounded Rectangle 5"/>
+          <p:cNvSpPr/>
+          <p:nvPr/>
+        </p:nvSpPr>
+        <p:spPr>
+          <a:xfrm>
+            <a:off x="8523514" y="4645478"/>
+            <a:ext cx="3248004" cy="2086497"/>
+          </a:xfrm>
+          <a:prstGeom prst="roundRect">
+            <a:avLst/>
+          </a:prstGeom>
+          <a:noFill/>
+          <a:ln w="63500">
+            <a:solidFill>
+              <a:srgbClr val="C00000"/>
+            </a:solidFill>
+            <a:prstDash val="solid"/>
+          </a:ln>
+        </p:spPr>
+        <p:style>
+          <a:lnRef idx="2">
+            <a:schemeClr val="accent2"/>
+          </a:lnRef>
+          <a:fillRef idx="1">
+            <a:schemeClr val="lt1"/>
+          </a:fillRef>
+          <a:effectRef idx="0">
+            <a:schemeClr val="accent2"/>
+          </a:effectRef>
+          <a:fontRef idx="minor">
+            <a:schemeClr val="dk1"/>
+          </a:fontRef>
+        </p:style>
+        <p:txBody>
+          <a:bodyPr rtlCol="0" anchor="ctr"/>
+          <a:lstStyle/>
+          <a:p>
+            <a:pPr algn="ctr"/>
+            <a:endParaRPr lang="pl-PL"/>
+          </a:p>
+        </p:txBody>
+      </p:sp>
+    </p:spTree>
+    <p:extLst>
+      <p:ext uri="{BB962C8B-B14F-4D97-AF65-F5344CB8AC3E}">
+        <p14:creationId xmlns:p14="http://schemas.microsoft.com/office/powerpoint/2010/main" val="1292110960"/>
+      </p:ext>
+    </p:extLst>
+  </p:cSld>
+  <p:clrMapOvr>
+    <a:masterClrMapping/>
+  </p:clrMapOvr>
+</p:sld>
+</file>
+
+<file path=ppt/slides/slide17.xml><?xml version="1.0" encoding="utf-8"?>
+<p:sld xmlns:a="http://schemas.openxmlformats.org/drawingml/2006/main" xmlns:r="http://schemas.openxmlformats.org/officeDocument/2006/relationships" xmlns:p="http://schemas.openxmlformats.org/presentationml/2006/main" show="0">
+  <p:cSld>
+    <p:spTree>
+      <p:nvGrpSpPr>
+        <p:cNvPr id="1" name=""/>
+        <p:cNvGrpSpPr/>
+        <p:nvPr/>
+      </p:nvGrpSpPr>
+      <p:grpSpPr>
+        <a:xfrm>
+          <a:off x="0" y="0"/>
+          <a:ext cx="0" cy="0"/>
+          <a:chOff x="0" y="0"/>
+          <a:chExt cx="0" cy="0"/>
+        </a:xfrm>
+      </p:grpSpPr>
+      <p:sp>
+        <p:nvSpPr>
+          <p:cNvPr id="2" name="Title 1"/>
+          <p:cNvSpPr>
+            <a:spLocks noGrp="1"/>
+          </p:cNvSpPr>
+          <p:nvPr>
+            <p:ph type="title"/>
+          </p:nvPr>
+        </p:nvSpPr>
+        <p:spPr/>
+        <p:txBody>
+          <a:bodyPr/>
+          <a:lstStyle/>
+          <a:p>
+            <a:r>
+              <a:rPr lang="pl-PL" dirty="0" smtClean="0"/>
               <a:t>Possible future additions in the app</a:t>
             </a:r>
             <a:endParaRPr lang="pl-PL" dirty="0"/>
@@ -4794,6 +5012,14 @@
   <p:clrMapOvr>
     <a:masterClrMapping/>
   </p:clrMapOvr>
+  <mc:AlternateContent xmlns:mc="http://schemas.openxmlformats.org/markup-compatibility/2006" xmlns:p14="http://schemas.microsoft.com/office/powerpoint/2010/main">
+    <mc:Choice Requires="p14">
+      <p:transition spd="slow" p14:dur="2000"/>
+    </mc:Choice>
+    <mc:Fallback xmlns="">
+      <p:transition spd="slow"/>
+    </mc:Fallback>
+  </mc:AlternateContent>
 </p:sld>
 </file>
 
@@ -4831,40 +5057,66 @@
           <a:p>
             <a:r>
               <a:rPr lang="pl-PL" dirty="0" smtClean="0"/>
-              <a:t>General look at the app </a:t>
+              <a:t>Starting the </a:t>
+            </a:r>
+            <a:r>
+              <a:rPr lang="pl-PL" dirty="0" smtClean="0"/>
+              <a:t>app</a:t>
             </a:r>
             <a:endParaRPr lang="pl-PL" dirty="0"/>
           </a:p>
         </p:txBody>
       </p:sp>
-      <p:pic>
-        <p:nvPicPr>
-          <p:cNvPr id="4" name="Picture 3"/>
-          <p:cNvPicPr>
-            <a:picLocks noChangeAspect="1"/>
-          </p:cNvPicPr>
-          <p:nvPr/>
-        </p:nvPicPr>
-        <p:blipFill>
-          <a:blip r:embed="rId2"/>
-          <a:stretch>
-            <a:fillRect/>
-          </a:stretch>
-        </p:blipFill>
-        <p:spPr>
-          <a:xfrm>
-            <a:off x="1200537" y="1123624"/>
-            <a:ext cx="9841926" cy="5233975"/>
-          </a:xfrm>
-          <a:prstGeom prst="rect">
-            <a:avLst/>
-          </a:prstGeom>
-        </p:spPr>
-      </p:pic>
+      <p:sp>
+        <p:nvSpPr>
+          <p:cNvPr id="3" name="Content Placeholder 2"/>
+          <p:cNvSpPr>
+            <a:spLocks noGrp="1"/>
+          </p:cNvSpPr>
+          <p:nvPr>
+            <p:ph idx="1"/>
+          </p:nvPr>
+        </p:nvSpPr>
+        <p:spPr/>
+        <p:txBody>
+          <a:bodyPr/>
+          <a:lstStyle/>
+          <a:p>
+            <a:pPr marL="0" indent="0">
+              <a:lnSpc>
+                <a:spcPct val="110000"/>
+              </a:lnSpc>
+              <a:buNone/>
+            </a:pPr>
+            <a:r>
+              <a:rPr lang="pl-PL" dirty="0" smtClean="0"/>
+              <a:t>As for now, the app can be started at any time while working near the Olympus optical microscope at CeNT. </a:t>
+            </a:r>
+            <a:r>
+              <a:rPr lang="pl-PL" dirty="0" smtClean="0"/>
+              <a:t>Can be turned on with a shortcut on Desktop (right screen).</a:t>
+            </a:r>
+            <a:endParaRPr lang="pl-PL" dirty="0" smtClean="0"/>
+          </a:p>
+          <a:p>
+            <a:pPr marL="0" indent="0">
+              <a:lnSpc>
+                <a:spcPct val="110000"/>
+              </a:lnSpc>
+              <a:buNone/>
+            </a:pPr>
+            <a:r>
+              <a:rPr lang="pl-PL" dirty="0" smtClean="0"/>
+              <a:t>As the first switch-on of the contrast imaging modes can cause the program to crash (no error returned, probably some internal error in used libraries), it is advised to manually open the app, take a screenshot and switch on the contrast imaging mode, hoping for it to work. In case of a crash, repeat the process patiently.</a:t>
+            </a:r>
+            <a:endParaRPr lang="pl-PL" dirty="0"/>
+          </a:p>
+        </p:txBody>
+      </p:sp>
     </p:spTree>
     <p:extLst>
       <p:ext uri="{BB962C8B-B14F-4D97-AF65-F5344CB8AC3E}">
-        <p14:creationId xmlns:p14="http://schemas.microsoft.com/office/powerpoint/2010/main" val="3571857119"/>
+        <p14:creationId xmlns:p14="http://schemas.microsoft.com/office/powerpoint/2010/main" val="3792761063"/>
       </p:ext>
     </p:extLst>
   </p:cSld>
@@ -4908,7 +5160,7 @@
           <a:p>
             <a:r>
               <a:rPr lang="pl-PL" dirty="0" smtClean="0"/>
-              <a:t>Defining overview area</a:t>
+              <a:t>General look at the app </a:t>
             </a:r>
             <a:endParaRPr lang="pl-PL" dirty="0"/>
           </a:p>
@@ -4930,209 +5182,18 @@
         </p:blipFill>
         <p:spPr>
           <a:xfrm>
-            <a:off x="4657725" y="2640098"/>
-            <a:ext cx="7013388" cy="3729747"/>
+            <a:off x="1200537" y="1123624"/>
+            <a:ext cx="9841926" cy="5233975"/>
           </a:xfrm>
           <a:prstGeom prst="rect">
             <a:avLst/>
           </a:prstGeom>
         </p:spPr>
       </p:pic>
-      <p:sp>
-        <p:nvSpPr>
-          <p:cNvPr id="3" name="Rounded Rectangle 2"/>
-          <p:cNvSpPr/>
-          <p:nvPr/>
-        </p:nvSpPr>
-        <p:spPr>
-          <a:xfrm>
-            <a:off x="10119632" y="2640098"/>
-            <a:ext cx="1551481" cy="833806"/>
-          </a:xfrm>
-          <a:prstGeom prst="roundRect">
-            <a:avLst/>
-          </a:prstGeom>
-          <a:noFill/>
-          <a:ln w="63500">
-            <a:solidFill>
-              <a:srgbClr val="D000D5"/>
-            </a:solidFill>
-            <a:prstDash val="solid"/>
-          </a:ln>
-        </p:spPr>
-        <p:style>
-          <a:lnRef idx="2">
-            <a:schemeClr val="accent2"/>
-          </a:lnRef>
-          <a:fillRef idx="1">
-            <a:schemeClr val="lt1"/>
-          </a:fillRef>
-          <a:effectRef idx="0">
-            <a:schemeClr val="accent2"/>
-          </a:effectRef>
-          <a:fontRef idx="minor">
-            <a:schemeClr val="dk1"/>
-          </a:fontRef>
-        </p:style>
-        <p:txBody>
-          <a:bodyPr rtlCol="0" anchor="ctr"/>
-          <a:lstStyle/>
-          <a:p>
-            <a:pPr algn="ctr"/>
-            <a:endParaRPr lang="pl-PL"/>
-          </a:p>
-        </p:txBody>
-      </p:sp>
-      <p:sp>
-        <p:nvSpPr>
-          <p:cNvPr id="6" name="TextBox 5"/>
-          <p:cNvSpPr txBox="1"/>
-          <p:nvPr/>
-        </p:nvSpPr>
-        <p:spPr>
-          <a:xfrm>
-            <a:off x="310242" y="1439769"/>
-            <a:ext cx="3971925" cy="4154984"/>
-          </a:xfrm>
-          <a:prstGeom prst="rect">
-            <a:avLst/>
-          </a:prstGeom>
-          <a:noFill/>
-        </p:spPr>
-        <p:txBody>
-          <a:bodyPr wrap="square" rtlCol="0">
-            <a:spAutoFit/>
-          </a:bodyPr>
-          <a:lstStyle/>
-          <a:p>
-            <a:pPr marL="285750" indent="-285750">
-              <a:spcAft>
-                <a:spcPts val="1200"/>
-              </a:spcAft>
-              <a:buFont typeface="Arial" panose="020B0604020202020204" pitchFamily="34" charset="0"/>
-              <a:buChar char="•"/>
-            </a:pPr>
-            <a:r>
-              <a:rPr lang="pl-PL" dirty="0" smtClean="0">
-                <a:solidFill>
-                  <a:srgbClr val="D000D5"/>
-                </a:solidFill>
-              </a:rPr>
-              <a:t>#</a:t>
-            </a:r>
-            <a:r>
-              <a:rPr lang="pl-PL" dirty="0" smtClean="0"/>
-              <a:t> In „</a:t>
-            </a:r>
-            <a:r>
-              <a:rPr lang="pl-PL" dirty="0" smtClean="0"/>
-              <a:t>Capture settings” tab you can press the button to change the overview area where you take the screenshot.</a:t>
-            </a:r>
-          </a:p>
-          <a:p>
-            <a:pPr marL="285750" indent="-285750">
-              <a:spcAft>
-                <a:spcPts val="1200"/>
-              </a:spcAft>
-              <a:buFont typeface="Arial" panose="020B0604020202020204" pitchFamily="34" charset="0"/>
-              <a:buChar char="•"/>
-            </a:pPr>
-            <a:r>
-              <a:rPr lang="pl-PL" dirty="0" smtClean="0">
-                <a:solidFill>
-                  <a:srgbClr val="FFC000"/>
-                </a:solidFill>
-              </a:rPr>
-              <a:t>#</a:t>
-            </a:r>
-            <a:r>
-              <a:rPr lang="pl-PL" dirty="0" smtClean="0"/>
-              <a:t> With the drop down menu (left from the tabs) you can change which monitor you want to screenshot.</a:t>
-            </a:r>
-            <a:endParaRPr lang="pl-PL" dirty="0" smtClean="0"/>
-          </a:p>
-          <a:p>
-            <a:pPr marL="285750" indent="-285750">
-              <a:spcAft>
-                <a:spcPts val="1200"/>
-              </a:spcAft>
-              <a:buFont typeface="Arial" panose="020B0604020202020204" pitchFamily="34" charset="0"/>
-              <a:buChar char="•"/>
-            </a:pPr>
-            <a:r>
-              <a:rPr lang="pl-PL" dirty="0" smtClean="0"/>
-              <a:t>When window will hides itself, you have to press-release mark the region of interest (just as the snipping tool in windows)</a:t>
-            </a:r>
-          </a:p>
-          <a:p>
-            <a:pPr marL="285750" indent="-285750">
-              <a:spcAft>
-                <a:spcPts val="1200"/>
-              </a:spcAft>
-              <a:buFont typeface="Arial" panose="020B0604020202020204" pitchFamily="34" charset="0"/>
-              <a:buChar char="•"/>
-            </a:pPr>
-            <a:r>
-              <a:rPr lang="pl-PL" dirty="0" smtClean="0"/>
-              <a:t>Text under the button will update and program will take a screenshot</a:t>
-            </a:r>
-            <a:endParaRPr lang="pl-PL" dirty="0"/>
-          </a:p>
-        </p:txBody>
-      </p:sp>
-      <p:sp>
-        <p:nvSpPr>
-          <p:cNvPr id="7" name="Rounded Rectangle 6"/>
-          <p:cNvSpPr/>
-          <p:nvPr/>
-        </p:nvSpPr>
-        <p:spPr>
-          <a:xfrm>
-            <a:off x="8735786" y="2722789"/>
-            <a:ext cx="1383846" cy="161926"/>
-          </a:xfrm>
-          <a:prstGeom prst="roundRect">
-            <a:avLst/>
-          </a:prstGeom>
-          <a:noFill/>
-          <a:ln w="63500">
-            <a:solidFill>
-              <a:srgbClr val="FFC000"/>
-            </a:solidFill>
-            <a:prstDash val="solid"/>
-          </a:ln>
-        </p:spPr>
-        <p:style>
-          <a:lnRef idx="2">
-            <a:schemeClr val="accent2"/>
-          </a:lnRef>
-          <a:fillRef idx="1">
-            <a:schemeClr val="lt1"/>
-          </a:fillRef>
-          <a:effectRef idx="0">
-            <a:schemeClr val="accent2"/>
-          </a:effectRef>
-          <a:fontRef idx="minor">
-            <a:schemeClr val="dk1"/>
-          </a:fontRef>
-        </p:style>
-        <p:txBody>
-          <a:bodyPr rtlCol="0" anchor="ctr"/>
-          <a:lstStyle/>
-          <a:p>
-            <a:pPr algn="ctr"/>
-            <a:endParaRPr lang="pl-PL">
-              <a:solidFill>
-                <a:srgbClr val="FFC000"/>
-              </a:solidFill>
-            </a:endParaRPr>
-          </a:p>
-        </p:txBody>
-      </p:sp>
     </p:spTree>
     <p:extLst>
       <p:ext uri="{BB962C8B-B14F-4D97-AF65-F5344CB8AC3E}">
-        <p14:creationId xmlns:p14="http://schemas.microsoft.com/office/powerpoint/2010/main" val="292428605"/>
+        <p14:creationId xmlns:p14="http://schemas.microsoft.com/office/powerpoint/2010/main" val="3571857119"/>
       </p:ext>
     </p:extLst>
   </p:cSld>
@@ -5176,7 +5237,7 @@
           <a:p>
             <a:r>
               <a:rPr lang="pl-PL" dirty="0" smtClean="0"/>
-              <a:t>Update the image in the app</a:t>
+              <a:t>Defining overview area</a:t>
             </a:r>
             <a:endParaRPr lang="pl-PL" dirty="0"/>
           </a:p>
@@ -5208,99 +5269,14 @@
       </p:pic>
       <p:sp>
         <p:nvSpPr>
-          <p:cNvPr id="6" name="TextBox 5"/>
-          <p:cNvSpPr txBox="1"/>
-          <p:nvPr/>
-        </p:nvSpPr>
-        <p:spPr>
-          <a:xfrm>
-            <a:off x="310242" y="1439769"/>
-            <a:ext cx="3971925" cy="3724096"/>
-          </a:xfrm>
-          <a:prstGeom prst="rect">
-            <a:avLst/>
-          </a:prstGeom>
-          <a:noFill/>
-        </p:spPr>
-        <p:txBody>
-          <a:bodyPr wrap="square" rtlCol="0">
-            <a:spAutoFit/>
-          </a:bodyPr>
-          <a:lstStyle/>
-          <a:p>
-            <a:pPr>
-              <a:spcAft>
-                <a:spcPts val="1200"/>
-              </a:spcAft>
-            </a:pPr>
-            <a:r>
-              <a:rPr lang="pl-PL" dirty="0" smtClean="0"/>
-              <a:t>There are two modes of taking</a:t>
-            </a:r>
-            <a:br>
-              <a:rPr lang="pl-PL" dirty="0" smtClean="0"/>
-            </a:br>
-            <a:r>
-              <a:rPr lang="pl-PL" dirty="0" smtClean="0"/>
-              <a:t>a screenshot:</a:t>
-            </a:r>
-          </a:p>
-          <a:p>
-            <a:pPr marL="285750" indent="-285750">
-              <a:spcAft>
-                <a:spcPts val="1200"/>
-              </a:spcAft>
-              <a:buFont typeface="Arial" panose="020B0604020202020204" pitchFamily="34" charset="0"/>
-              <a:buChar char="•"/>
-            </a:pPr>
-            <a:r>
-              <a:rPr lang="pl-PL" dirty="0" smtClean="0">
-                <a:solidFill>
-                  <a:srgbClr val="FFC000"/>
-                </a:solidFill>
-              </a:rPr>
-              <a:t>#</a:t>
-            </a:r>
-            <a:r>
-              <a:rPr lang="pl-PL" dirty="0" smtClean="0"/>
-              <a:t> „Snapshot” – updates the screenshot in the program</a:t>
-            </a:r>
-            <a:endParaRPr lang="pl-PL" dirty="0" smtClean="0"/>
-          </a:p>
-          <a:p>
-            <a:pPr marL="285750" indent="-285750">
-              <a:spcAft>
-                <a:spcPts val="1200"/>
-              </a:spcAft>
-              <a:buFont typeface="Arial" panose="020B0604020202020204" pitchFamily="34" charset="0"/>
-              <a:buChar char="•"/>
-            </a:pPr>
-            <a:r>
-              <a:rPr lang="pl-PL" dirty="0" smtClean="0">
-                <a:solidFill>
-                  <a:srgbClr val="D000D5"/>
-                </a:solidFill>
-              </a:rPr>
-              <a:t>#</a:t>
-            </a:r>
-            <a:r>
-              <a:rPr lang="pl-PL" dirty="0" smtClean="0"/>
-              <a:t> „Video” – starts a continuous collection of screenshot (update every 50ms). It is limited by capabilities of the computer (especially with contrast mode) and is advised to use it with image in StreamMotion decreased to be around 1600px in width.</a:t>
-            </a:r>
-            <a:endParaRPr lang="pl-PL" dirty="0" smtClean="0"/>
-          </a:p>
-        </p:txBody>
-      </p:sp>
-      <p:sp>
-        <p:nvSpPr>
-          <p:cNvPr id="7" name="Rounded Rectangle 6"/>
+          <p:cNvPr id="3" name="Rounded Rectangle 2"/>
           <p:cNvSpPr/>
           <p:nvPr/>
         </p:nvSpPr>
         <p:spPr>
           <a:xfrm>
-            <a:off x="4498522" y="2640098"/>
-            <a:ext cx="665389" cy="289833"/>
+            <a:off x="10119632" y="2640098"/>
+            <a:ext cx="1551481" cy="833806"/>
           </a:xfrm>
           <a:prstGeom prst="roundRect">
             <a:avLst/>
@@ -5308,7 +5284,7 @@
           <a:noFill/>
           <a:ln w="63500">
             <a:solidFill>
-              <a:schemeClr val="accent4"/>
+              <a:srgbClr val="D000D5"/>
             </a:solidFill>
             <a:prstDash val="solid"/>
           </a:ln>
@@ -5338,14 +5314,106 @@
       </p:sp>
       <p:sp>
         <p:nvSpPr>
-          <p:cNvPr id="8" name="Rounded Rectangle 7"/>
+          <p:cNvPr id="6" name="TextBox 5"/>
+          <p:cNvSpPr txBox="1"/>
+          <p:nvPr/>
+        </p:nvSpPr>
+        <p:spPr>
+          <a:xfrm>
+            <a:off x="310242" y="1439769"/>
+            <a:ext cx="3971925" cy="4154984"/>
+          </a:xfrm>
+          <a:prstGeom prst="rect">
+            <a:avLst/>
+          </a:prstGeom>
+          <a:noFill/>
+        </p:spPr>
+        <p:txBody>
+          <a:bodyPr wrap="square" rtlCol="0">
+            <a:spAutoFit/>
+          </a:bodyPr>
+          <a:lstStyle/>
+          <a:p>
+            <a:pPr marL="285750" indent="-285750">
+              <a:spcAft>
+                <a:spcPts val="1200"/>
+              </a:spcAft>
+              <a:buFont typeface="Arial" panose="020B0604020202020204" pitchFamily="34" charset="0"/>
+              <a:buChar char="•"/>
+            </a:pPr>
+            <a:r>
+              <a:rPr lang="pl-PL" dirty="0" smtClean="0">
+                <a:solidFill>
+                  <a:srgbClr val="D000D5"/>
+                </a:solidFill>
+              </a:rPr>
+              <a:t>#</a:t>
+            </a:r>
+            <a:r>
+              <a:rPr lang="pl-PL" dirty="0" smtClean="0"/>
+              <a:t> In „Capture settings” tab you can press the button to change the overview area where you take the screenshot.</a:t>
+            </a:r>
+          </a:p>
+          <a:p>
+            <a:pPr marL="285750" indent="-285750">
+              <a:spcAft>
+                <a:spcPts val="1200"/>
+              </a:spcAft>
+              <a:buFont typeface="Arial" panose="020B0604020202020204" pitchFamily="34" charset="0"/>
+              <a:buChar char="•"/>
+            </a:pPr>
+            <a:r>
+              <a:rPr lang="pl-PL" dirty="0" smtClean="0">
+                <a:solidFill>
+                  <a:srgbClr val="FFC000"/>
+                </a:solidFill>
+              </a:rPr>
+              <a:t>#</a:t>
+            </a:r>
+            <a:r>
+              <a:rPr lang="pl-PL" dirty="0" smtClean="0"/>
+              <a:t> With the drop down menu (left from the tabs) you can change which monitor you want to screenshot.</a:t>
+            </a:r>
+          </a:p>
+          <a:p>
+            <a:pPr marL="285750" indent="-285750">
+              <a:spcAft>
+                <a:spcPts val="1200"/>
+              </a:spcAft>
+              <a:buFont typeface="Arial" panose="020B0604020202020204" pitchFamily="34" charset="0"/>
+              <a:buChar char="•"/>
+            </a:pPr>
+            <a:r>
+              <a:rPr lang="pl-PL" dirty="0" smtClean="0"/>
+              <a:t>When window will hides itself, you have to press-release mark the region of interest (just as the snipping tool in windows)</a:t>
+            </a:r>
+          </a:p>
+          <a:p>
+            <a:pPr marL="285750" indent="-285750">
+              <a:spcAft>
+                <a:spcPts val="1200"/>
+              </a:spcAft>
+              <a:buFont typeface="Arial" panose="020B0604020202020204" pitchFamily="34" charset="0"/>
+              <a:buChar char="•"/>
+            </a:pPr>
+            <a:r>
+              <a:rPr lang="pl-PL" dirty="0" smtClean="0"/>
+              <a:t>Text under the button will update and program will take a screenshot</a:t>
+            </a:r>
+            <a:endParaRPr lang="pl-PL" dirty="0"/>
+          </a:p>
+        </p:txBody>
+      </p:sp>
+      <p:sp>
+        <p:nvSpPr>
+          <p:cNvPr id="7" name="Rounded Rectangle 6"/>
           <p:cNvSpPr/>
           <p:nvPr/>
         </p:nvSpPr>
         <p:spPr>
           <a:xfrm>
-            <a:off x="5822497" y="2640097"/>
-            <a:ext cx="665389" cy="289833"/>
+            <a:off x="8735786" y="2722789"/>
+            <a:ext cx="1383846" cy="161926"/>
           </a:xfrm>
           <a:prstGeom prst="roundRect">
             <a:avLst/>
@@ -5353,7 +5421,7 @@
           <a:noFill/>
           <a:ln w="63500">
             <a:solidFill>
-              <a:srgbClr val="D000D5"/>
+              <a:srgbClr val="FFC000"/>
             </a:solidFill>
             <a:prstDash val="solid"/>
           </a:ln>
@@ -5377,14 +5445,18 @@
           <a:lstStyle/>
           <a:p>
             <a:pPr algn="ctr"/>
-            <a:endParaRPr lang="pl-PL"/>
+            <a:endParaRPr lang="pl-PL">
+              <a:solidFill>
+                <a:srgbClr val="FFC000"/>
+              </a:solidFill>
+            </a:endParaRPr>
           </a:p>
         </p:txBody>
       </p:sp>
     </p:spTree>
     <p:extLst>
       <p:ext uri="{BB962C8B-B14F-4D97-AF65-F5344CB8AC3E}">
-        <p14:creationId xmlns:p14="http://schemas.microsoft.com/office/powerpoint/2010/main" val="1562964892"/>
+        <p14:creationId xmlns:p14="http://schemas.microsoft.com/office/powerpoint/2010/main" val="292428605"/>
       </p:ext>
     </p:extLst>
   </p:cSld>
@@ -5428,7 +5500,7 @@
           <a:p>
             <a:r>
               <a:rPr lang="pl-PL" dirty="0" smtClean="0"/>
-              <a:t>Grabbing colors from the image</a:t>
+              <a:t>Update the image in the app</a:t>
             </a:r>
             <a:endParaRPr lang="pl-PL" dirty="0"/>
           </a:p>
@@ -5467,7 +5539,7 @@
         <p:spPr>
           <a:xfrm>
             <a:off x="310242" y="1439769"/>
-            <a:ext cx="3971925" cy="3293209"/>
+            <a:ext cx="3971925" cy="3724096"/>
           </a:xfrm>
           <a:prstGeom prst="rect">
             <a:avLst/>
@@ -5479,6 +5551,24 @@
             <a:spAutoFit/>
           </a:bodyPr>
           <a:lstStyle/>
+          <a:p>
+            <a:pPr>
+              <a:spcAft>
+                <a:spcPts val="1200"/>
+              </a:spcAft>
+            </a:pPr>
+            <a:r>
+              <a:rPr lang="pl-PL" dirty="0" smtClean="0"/>
+              <a:t>There are two modes of taking</a:t>
+            </a:r>
+            <a:br>
+              <a:rPr lang="pl-PL" dirty="0" smtClean="0"/>
+            </a:br>
+            <a:r>
+              <a:rPr lang="pl-PL" dirty="0" smtClean="0"/>
+              <a:t>a screenshot:</a:t>
+            </a:r>
+          </a:p>
           <a:p>
             <a:pPr marL="285750" indent="-285750">
               <a:spcAft>
@@ -5497,9 +5587,8 @@
             </a:r>
             <a:r>
               <a:rPr lang="pl-PL" dirty="0" smtClean="0"/>
-              <a:t> „Grab colors” – starts the process of the color grabbing. Then you click chosen points on the image: reference and „point”; to select colors.</a:t>
-            </a:r>
-            <a:endParaRPr lang="pl-PL" dirty="0" smtClean="0"/>
+              <a:t> „Snapshot” – updates the screenshot in the program</a:t>
+            </a:r>
           </a:p>
           <a:p>
             <a:pPr marL="285750" indent="-285750">
@@ -5515,13 +5604,12 @@
                   <a:srgbClr val="D000D5"/>
                 </a:solidFill>
               </a:rPr>
-              <a:t># </a:t>
+              <a:t>#</a:t>
             </a:r>
             <a:r>
               <a:rPr lang="pl-PL" dirty="0" smtClean="0"/>
-              <a:t>On successful choice, the RGB values of both points will be displayed below and the color contrast between the points is calculated and displayed (in %) in the last line</a:t>
-            </a:r>
-            <a:endParaRPr lang="pl-PL" dirty="0" smtClean="0"/>
+              <a:t> „Video” – starts a continuous collection of screenshot (update every 50ms). It is limited by capabilities of the computer (especially with contrast mode) and is advised to use it with image in StreamMotion decreased to be around 1600px in width.</a:t>
+            </a:r>
           </a:p>
         </p:txBody>
       </p:sp>
@@ -5533,7 +5621,7 @@
         </p:nvSpPr>
         <p:spPr>
           <a:xfrm>
-            <a:off x="7233558" y="2655377"/>
+            <a:off x="4498522" y="2640098"/>
             <a:ext cx="665389" cy="289833"/>
           </a:xfrm>
           <a:prstGeom prst="roundRect">
@@ -5578,8 +5666,8 @@
         </p:nvSpPr>
         <p:spPr>
           <a:xfrm>
-            <a:off x="4593772" y="5415955"/>
-            <a:ext cx="1194707" cy="441920"/>
+            <a:off x="5822497" y="2640097"/>
+            <a:ext cx="665389" cy="289833"/>
           </a:xfrm>
           <a:prstGeom prst="roundRect">
             <a:avLst/>
@@ -5618,7 +5706,7 @@
     </p:spTree>
     <p:extLst>
       <p:ext uri="{BB962C8B-B14F-4D97-AF65-F5344CB8AC3E}">
-        <p14:creationId xmlns:p14="http://schemas.microsoft.com/office/powerpoint/2010/main" val="918149622"/>
+        <p14:creationId xmlns:p14="http://schemas.microsoft.com/office/powerpoint/2010/main" val="1562964892"/>
       </p:ext>
     </p:extLst>
   </p:cSld>
@@ -5662,46 +5750,9 @@
           <a:p>
             <a:r>
               <a:rPr lang="pl-PL" dirty="0" smtClean="0"/>
-              <a:t>Image analysis tab</a:t>
+              <a:t>Grabbing colors from the image</a:t>
             </a:r>
             <a:endParaRPr lang="pl-PL" dirty="0"/>
-          </a:p>
-        </p:txBody>
-      </p:sp>
-      <p:sp>
-        <p:nvSpPr>
-          <p:cNvPr id="3" name="Content Placeholder 2"/>
-          <p:cNvSpPr>
-            <a:spLocks noGrp="1"/>
-          </p:cNvSpPr>
-          <p:nvPr>
-            <p:ph idx="1"/>
-          </p:nvPr>
-        </p:nvSpPr>
-        <p:spPr>
-          <a:xfrm>
-            <a:off x="838200" y="1825625"/>
-            <a:ext cx="7611836" cy="4771118"/>
-          </a:xfrm>
-        </p:spPr>
-        <p:txBody>
-          <a:bodyPr>
-            <a:normAutofit/>
-          </a:bodyPr>
-          <a:lstStyle/>
-          <a:p>
-            <a:pPr algn="just"/>
-            <a:r>
-              <a:rPr lang="pl-PL" sz="1800" dirty="0" smtClean="0"/>
-              <a:t>Activated when clicking the „Image analysis” header just next to the „Capture settings”.</a:t>
-            </a:r>
-          </a:p>
-          <a:p>
-            <a:pPr algn="just"/>
-            <a:r>
-              <a:rPr lang="pl-PL" sz="1800" dirty="0" smtClean="0"/>
-              <a:t>Allows you to switch between default image and different color contrast modes (as of 11.03: one working mode (CC) and one experimental (CG) ).</a:t>
-            </a:r>
           </a:p>
         </p:txBody>
       </p:sp>
@@ -5721,8 +5772,8 @@
         </p:blipFill>
         <p:spPr>
           <a:xfrm>
-            <a:off x="8566787" y="69925"/>
-            <a:ext cx="3204731" cy="6662051"/>
+            <a:off x="4657725" y="2640098"/>
+            <a:ext cx="7013388" cy="3729747"/>
           </a:xfrm>
           <a:prstGeom prst="rect">
             <a:avLst/>
@@ -5731,41 +5782,148 @@
       </p:pic>
       <p:sp>
         <p:nvSpPr>
-          <p:cNvPr id="5" name="Rectangle 4"/>
-          <p:cNvSpPr/>
+          <p:cNvPr id="6" name="TextBox 5"/>
+          <p:cNvSpPr txBox="1"/>
           <p:nvPr/>
         </p:nvSpPr>
         <p:spPr>
           <a:xfrm>
-            <a:off x="8433707" y="3416754"/>
-            <a:ext cx="3514725" cy="3441246"/>
+            <a:off x="310242" y="1439769"/>
+            <a:ext cx="3971925" cy="3293209"/>
           </a:xfrm>
           <a:prstGeom prst="rect">
             <a:avLst/>
           </a:prstGeom>
-          <a:solidFill>
-            <a:schemeClr val="bg1">
-              <a:alpha val="85000"/>
-            </a:schemeClr>
-          </a:solidFill>
-          <a:ln>
-            <a:noFill/>
+          <a:noFill/>
+        </p:spPr>
+        <p:txBody>
+          <a:bodyPr wrap="square" rtlCol="0">
+            <a:spAutoFit/>
+          </a:bodyPr>
+          <a:lstStyle/>
+          <a:p>
+            <a:pPr marL="285750" indent="-285750">
+              <a:spcAft>
+                <a:spcPts val="1200"/>
+              </a:spcAft>
+              <a:buFont typeface="Arial" panose="020B0604020202020204" pitchFamily="34" charset="0"/>
+              <a:buChar char="•"/>
+            </a:pPr>
+            <a:r>
+              <a:rPr lang="pl-PL" dirty="0" smtClean="0">
+                <a:solidFill>
+                  <a:srgbClr val="FFC000"/>
+                </a:solidFill>
+              </a:rPr>
+              <a:t>#</a:t>
+            </a:r>
+            <a:r>
+              <a:rPr lang="pl-PL" dirty="0" smtClean="0"/>
+              <a:t> „Grab colors” – starts the process of the color grabbing. Then you click chosen points on the image: reference and „point”; to select colors.</a:t>
+            </a:r>
+          </a:p>
+          <a:p>
+            <a:pPr marL="285750" indent="-285750">
+              <a:spcAft>
+                <a:spcPts val="1200"/>
+              </a:spcAft>
+              <a:buFont typeface="Arial" panose="020B0604020202020204" pitchFamily="34" charset="0"/>
+              <a:buChar char="•"/>
+            </a:pPr>
+            <a:r>
+              <a:rPr lang="pl-PL" dirty="0" smtClean="0">
+                <a:solidFill>
+                  <a:srgbClr val="D000D5"/>
+                </a:solidFill>
+              </a:rPr>
+              <a:t># </a:t>
+            </a:r>
+            <a:r>
+              <a:rPr lang="pl-PL" dirty="0" smtClean="0"/>
+              <a:t>On successful choice, the RGB values of both points will be displayed below and the color contrast between the points is calculated and displayed (in %) in the last line</a:t>
+            </a:r>
+          </a:p>
+        </p:txBody>
+      </p:sp>
+      <p:sp>
+        <p:nvSpPr>
+          <p:cNvPr id="7" name="Rounded Rectangle 6"/>
+          <p:cNvSpPr/>
+          <p:nvPr/>
+        </p:nvSpPr>
+        <p:spPr>
+          <a:xfrm>
+            <a:off x="7233558" y="2655377"/>
+            <a:ext cx="665389" cy="289833"/>
+          </a:xfrm>
+          <a:prstGeom prst="roundRect">
+            <a:avLst/>
+          </a:prstGeom>
+          <a:noFill/>
+          <a:ln w="63500">
+            <a:solidFill>
+              <a:schemeClr val="accent4"/>
+            </a:solidFill>
+            <a:prstDash val="solid"/>
           </a:ln>
         </p:spPr>
         <p:style>
           <a:lnRef idx="2">
-            <a:schemeClr val="accent1">
-              <a:shade val="50000"/>
-            </a:schemeClr>
+            <a:schemeClr val="accent2"/>
           </a:lnRef>
           <a:fillRef idx="1">
-            <a:schemeClr val="accent1"/>
+            <a:schemeClr val="lt1"/>
           </a:fillRef>
           <a:effectRef idx="0">
-            <a:schemeClr val="accent1"/>
+            <a:schemeClr val="accent2"/>
           </a:effectRef>
           <a:fontRef idx="minor">
+            <a:schemeClr val="dk1"/>
+          </a:fontRef>
+        </p:style>
+        <p:txBody>
+          <a:bodyPr rtlCol="0" anchor="ctr"/>
+          <a:lstStyle/>
+          <a:p>
+            <a:pPr algn="ctr"/>
+            <a:endParaRPr lang="pl-PL"/>
+          </a:p>
+        </p:txBody>
+      </p:sp>
+      <p:sp>
+        <p:nvSpPr>
+          <p:cNvPr id="8" name="Rounded Rectangle 7"/>
+          <p:cNvSpPr/>
+          <p:nvPr/>
+        </p:nvSpPr>
+        <p:spPr>
+          <a:xfrm>
+            <a:off x="4593772" y="5415955"/>
+            <a:ext cx="1194707" cy="441920"/>
+          </a:xfrm>
+          <a:prstGeom prst="roundRect">
+            <a:avLst/>
+          </a:prstGeom>
+          <a:noFill/>
+          <a:ln w="63500">
+            <a:solidFill>
+              <a:srgbClr val="D000D5"/>
+            </a:solidFill>
+            <a:prstDash val="solid"/>
+          </a:ln>
+        </p:spPr>
+        <p:style>
+          <a:lnRef idx="2">
+            <a:schemeClr val="accent2"/>
+          </a:lnRef>
+          <a:fillRef idx="1">
             <a:schemeClr val="lt1"/>
+          </a:fillRef>
+          <a:effectRef idx="0">
+            <a:schemeClr val="accent2"/>
+          </a:effectRef>
+          <a:fontRef idx="minor">
+            <a:schemeClr val="dk1"/>
           </a:fontRef>
         </p:style>
         <p:txBody>
@@ -5780,7 +5938,7 @@
     </p:spTree>
     <p:extLst>
       <p:ext uri="{BB962C8B-B14F-4D97-AF65-F5344CB8AC3E}">
-        <p14:creationId xmlns:p14="http://schemas.microsoft.com/office/powerpoint/2010/main" val="2339990389"/>
+        <p14:creationId xmlns:p14="http://schemas.microsoft.com/office/powerpoint/2010/main" val="918149622"/>
       </p:ext>
     </p:extLst>
   </p:cSld>
@@ -5854,30 +6012,15 @@
           <a:p>
             <a:pPr algn="just"/>
             <a:r>
-              <a:rPr lang="pl-PL" sz="2400" dirty="0" smtClean="0">
-                <a:solidFill>
-                  <a:srgbClr val="FFC000"/>
-                </a:solidFill>
-              </a:rPr>
-              <a:t>#</a:t>
-            </a:r>
-            <a:r>
-              <a:rPr lang="pl-PL" sz="2400" dirty="0" smtClean="0"/>
-              <a:t> On „Grab reference” button pressed, starts a process similiar to „Grab colors”, but only one color is taken.</a:t>
-            </a:r>
-            <a:br>
-              <a:rPr lang="pl-PL" sz="2400" dirty="0" smtClean="0"/>
-            </a:br>
-            <a:r>
-              <a:rPr lang="pl-PL" sz="2400" dirty="0" smtClean="0"/>
-              <a:t>On app start the reference is not defined and set as</a:t>
-            </a:r>
-            <a:br>
-              <a:rPr lang="pl-PL" sz="2400" dirty="0" smtClean="0"/>
-            </a:br>
-            <a:r>
-              <a:rPr lang="pl-PL" sz="2400" dirty="0" smtClean="0"/>
-              <a:t>RGB = [0, 0, 0]. On successful color grab the label updates to show RGB values of selected point.</a:t>
+              <a:rPr lang="pl-PL" sz="1800" dirty="0" smtClean="0"/>
+              <a:t>Activated when clicking the „Image analysis” header just next to the „Capture settings”.</a:t>
+            </a:r>
+          </a:p>
+          <a:p>
+            <a:pPr algn="just"/>
+            <a:r>
+              <a:rPr lang="pl-PL" sz="1800" dirty="0" smtClean="0"/>
+              <a:t>Allows you to switch between default image and different color contrast modes (as of 11.03: one working mode (CC) and one experimental (CG) ).</a:t>
             </a:r>
           </a:p>
         </p:txBody>
@@ -5954,55 +6097,10 @@
           </a:p>
         </p:txBody>
       </p:sp>
-      <p:sp>
-        <p:nvSpPr>
-          <p:cNvPr id="7" name="Rounded Rectangle 6"/>
-          <p:cNvSpPr/>
-          <p:nvPr/>
-        </p:nvSpPr>
-        <p:spPr>
-          <a:xfrm>
-            <a:off x="8613322" y="492891"/>
-            <a:ext cx="3110592" cy="772573"/>
-          </a:xfrm>
-          <a:prstGeom prst="roundRect">
-            <a:avLst/>
-          </a:prstGeom>
-          <a:noFill/>
-          <a:ln w="63500">
-            <a:solidFill>
-              <a:schemeClr val="accent4"/>
-            </a:solidFill>
-            <a:prstDash val="solid"/>
-          </a:ln>
-        </p:spPr>
-        <p:style>
-          <a:lnRef idx="2">
-            <a:schemeClr val="accent2"/>
-          </a:lnRef>
-          <a:fillRef idx="1">
-            <a:schemeClr val="lt1"/>
-          </a:fillRef>
-          <a:effectRef idx="0">
-            <a:schemeClr val="accent2"/>
-          </a:effectRef>
-          <a:fontRef idx="minor">
-            <a:schemeClr val="dk1"/>
-          </a:fontRef>
-        </p:style>
-        <p:txBody>
-          <a:bodyPr rtlCol="0" anchor="ctr"/>
-          <a:lstStyle/>
-          <a:p>
-            <a:pPr algn="ctr"/>
-            <a:endParaRPr lang="pl-PL"/>
-          </a:p>
-        </p:txBody>
-      </p:sp>
     </p:spTree>
     <p:extLst>
       <p:ext uri="{BB962C8B-B14F-4D97-AF65-F5344CB8AC3E}">
-        <p14:creationId xmlns:p14="http://schemas.microsoft.com/office/powerpoint/2010/main" val="70392501"/>
+        <p14:creationId xmlns:p14="http://schemas.microsoft.com/office/powerpoint/2010/main" val="2339990389"/>
       </p:ext>
     </p:extLst>
   </p:cSld>
@@ -6078,43 +6176,29 @@
             <a:r>
               <a:rPr lang="pl-PL" sz="2400" dirty="0" smtClean="0">
                 <a:solidFill>
-                  <a:srgbClr val="C00000"/>
+                  <a:srgbClr val="FFC000"/>
                 </a:solidFill>
               </a:rPr>
               <a:t>#</a:t>
             </a:r>
             <a:r>
               <a:rPr lang="pl-PL" sz="2400" dirty="0" smtClean="0"/>
-              <a:t> In this drop down menu you can select contrast-imagining mode:</a:t>
-            </a:r>
-          </a:p>
-          <a:p>
-            <a:pPr lvl="1" algn="just"/>
-            <a:r>
-              <a:rPr lang="pl-PL" sz="1800" dirty="0" smtClean="0"/>
-              <a:t>Default Image – grabbed screenshot with no color corrections;</a:t>
-            </a:r>
-          </a:p>
-          <a:p>
-            <a:pPr lvl="1" algn="just"/>
-            <a:r>
-              <a:rPr lang="pl-PL" sz="1800" dirty="0" smtClean="0"/>
-              <a:t>Contrast Grayscale (CG) – each point on the image gets assigned values from 0 to 255 depending on how far in color it is from the reference (255 – the color is the same);</a:t>
-            </a:r>
-          </a:p>
-          <a:p>
-            <a:pPr lvl="1" algn="just"/>
-            <a:r>
-              <a:rPr lang="pl-PL" sz="1800" dirty="0" smtClean="0"/>
-              <a:t>Contrast Color (CC) – each point’s color is multiplied by factor: (1 + C(P, R) * CEF), where: C(P, R) is color contrast between the point and reference; CEF – enhancement factor.</a:t>
-            </a:r>
-            <a:endParaRPr lang="pl-PL" dirty="0"/>
-          </a:p>
-          <a:p>
-            <a:pPr marL="457200" lvl="1" indent="0" algn="just">
-              <a:buNone/>
-            </a:pPr>
-            <a:endParaRPr lang="pl-PL" sz="1000" dirty="0" smtClean="0"/>
+              <a:t> On „Grab reference” button pressed, starts a process similiar to „Grab colors”, but only one color is taken.</a:t>
+            </a:r>
+            <a:br>
+              <a:rPr lang="pl-PL" sz="2400" dirty="0" smtClean="0"/>
+            </a:br>
+            <a:r>
+              <a:rPr lang="pl-PL" sz="2400" dirty="0" smtClean="0"/>
+              <a:t>On app start the reference is not defined and set as</a:t>
+            </a:r>
+            <a:br>
+              <a:rPr lang="pl-PL" sz="2400" dirty="0" smtClean="0"/>
+            </a:br>
+            <a:r>
+              <a:rPr lang="pl-PL" sz="2400" dirty="0" smtClean="0"/>
+              <a:t>RGB = [0, 0, 0]. On successful color grab the label updates to show RGB values of selected point.</a:t>
+            </a:r>
           </a:p>
         </p:txBody>
       </p:sp>
@@ -6190,40 +6274,16 @@
           </a:p>
         </p:txBody>
       </p:sp>
-      <p:pic>
-        <p:nvPicPr>
-          <p:cNvPr id="6" name="Picture 5"/>
-          <p:cNvPicPr>
-            <a:picLocks noChangeAspect="1"/>
-          </p:cNvPicPr>
-          <p:nvPr/>
-        </p:nvPicPr>
-        <p:blipFill>
-          <a:blip r:embed="rId3"/>
-          <a:stretch>
-            <a:fillRect/>
-          </a:stretch>
-        </p:blipFill>
-        <p:spPr>
-          <a:xfrm>
-            <a:off x="8550546" y="3905740"/>
-            <a:ext cx="3220972" cy="1160199"/>
-          </a:xfrm>
-          <a:prstGeom prst="rect">
-            <a:avLst/>
-          </a:prstGeom>
-        </p:spPr>
-      </p:pic>
-      <p:sp>
-        <p:nvSpPr>
-          <p:cNvPr id="8" name="Rounded Rectangle 7"/>
+      <p:sp>
+        <p:nvSpPr>
+          <p:cNvPr id="7" name="Rounded Rectangle 6"/>
           <p:cNvSpPr/>
           <p:nvPr/>
         </p:nvSpPr>
         <p:spPr>
           <a:xfrm>
-            <a:off x="8613322" y="1265465"/>
-            <a:ext cx="3110592" cy="289832"/>
+            <a:off x="8613322" y="492891"/>
+            <a:ext cx="3110592" cy="772573"/>
           </a:xfrm>
           <a:prstGeom prst="roundRect">
             <a:avLst/>
@@ -6231,7 +6291,7 @@
           <a:noFill/>
           <a:ln w="63500">
             <a:solidFill>
-              <a:srgbClr val="C00000"/>
+              <a:schemeClr val="accent4"/>
             </a:solidFill>
             <a:prstDash val="solid"/>
           </a:ln>
@@ -6259,55 +6319,10 @@
           </a:p>
         </p:txBody>
       </p:sp>
-      <p:sp>
-        <p:nvSpPr>
-          <p:cNvPr id="10" name="Rounded Rectangle 9"/>
-          <p:cNvSpPr/>
-          <p:nvPr/>
-        </p:nvSpPr>
-        <p:spPr>
-          <a:xfrm>
-            <a:off x="8583116" y="3905739"/>
-            <a:ext cx="3140797" cy="819973"/>
-          </a:xfrm>
-          <a:prstGeom prst="roundRect">
-            <a:avLst/>
-          </a:prstGeom>
-          <a:noFill/>
-          <a:ln w="63500">
-            <a:solidFill>
-              <a:srgbClr val="C00000"/>
-            </a:solidFill>
-            <a:prstDash val="solid"/>
-          </a:ln>
-        </p:spPr>
-        <p:style>
-          <a:lnRef idx="2">
-            <a:schemeClr val="accent2"/>
-          </a:lnRef>
-          <a:fillRef idx="1">
-            <a:schemeClr val="lt1"/>
-          </a:fillRef>
-          <a:effectRef idx="0">
-            <a:schemeClr val="accent2"/>
-          </a:effectRef>
-          <a:fontRef idx="minor">
-            <a:schemeClr val="dk1"/>
-          </a:fontRef>
-        </p:style>
-        <p:txBody>
-          <a:bodyPr rtlCol="0" anchor="ctr"/>
-          <a:lstStyle/>
-          <a:p>
-            <a:pPr algn="ctr"/>
-            <a:endParaRPr lang="pl-PL"/>
-          </a:p>
-        </p:txBody>
-      </p:sp>
     </p:spTree>
     <p:extLst>
       <p:ext uri="{BB962C8B-B14F-4D97-AF65-F5344CB8AC3E}">
-        <p14:creationId xmlns:p14="http://schemas.microsoft.com/office/powerpoint/2010/main" val="1742522559"/>
+        <p14:creationId xmlns:p14="http://schemas.microsoft.com/office/powerpoint/2010/main" val="70392501"/>
       </p:ext>
     </p:extLst>
   </p:cSld>
@@ -6383,15 +6398,37 @@
             <a:r>
               <a:rPr lang="pl-PL" sz="2400" dirty="0" smtClean="0">
                 <a:solidFill>
-                  <a:srgbClr val="D000D5"/>
+                  <a:srgbClr val="C00000"/>
                 </a:solidFill>
               </a:rPr>
               <a:t>#</a:t>
             </a:r>
             <a:r>
               <a:rPr lang="pl-PL" sz="2400" dirty="0" smtClean="0"/>
-              <a:t> Contrast enhancement factor enhancing the color differences in CC and CG modes. On app start it is set to 1 (it is multiplicative). Avaliable range is 0 to 20 with buttons for convinient change to 5 and Max (20).</a:t>
-            </a:r>
+              <a:t> In this drop down menu you can select contrast-imagining mode:</a:t>
+            </a:r>
+          </a:p>
+          <a:p>
+            <a:pPr lvl="1" algn="just"/>
+            <a:r>
+              <a:rPr lang="pl-PL" sz="1800" dirty="0" smtClean="0"/>
+              <a:t>Default Image – grabbed screenshot with no color corrections;</a:t>
+            </a:r>
+          </a:p>
+          <a:p>
+            <a:pPr lvl="1" algn="just"/>
+            <a:r>
+              <a:rPr lang="pl-PL" sz="1800" dirty="0" smtClean="0"/>
+              <a:t>Contrast Grayscale (CG) – each point on the image gets assigned values from 0 to 255 depending on how far in color it is from the reference (255 – the color is the same);</a:t>
+            </a:r>
+          </a:p>
+          <a:p>
+            <a:pPr lvl="1" algn="just"/>
+            <a:r>
+              <a:rPr lang="pl-PL" sz="1800" dirty="0" smtClean="0"/>
+              <a:t>Contrast Color (CC) – each point’s color is multiplied by factor: (1 + C(P, R) * CEF), where: C(P, R) is color contrast between the point and reference; CEF – enhancement factor.</a:t>
+            </a:r>
+            <a:endParaRPr lang="pl-PL" dirty="0"/>
           </a:p>
           <a:p>
             <a:pPr marL="457200" lvl="1" indent="0" algn="just">
@@ -6473,16 +6510,40 @@
           </a:p>
         </p:txBody>
       </p:sp>
-      <p:sp>
-        <p:nvSpPr>
-          <p:cNvPr id="9" name="Rounded Rectangle 8"/>
+      <p:pic>
+        <p:nvPicPr>
+          <p:cNvPr id="6" name="Picture 5"/>
+          <p:cNvPicPr>
+            <a:picLocks noChangeAspect="1"/>
+          </p:cNvPicPr>
+          <p:nvPr/>
+        </p:nvPicPr>
+        <p:blipFill>
+          <a:blip r:embed="rId3"/>
+          <a:stretch>
+            <a:fillRect/>
+          </a:stretch>
+        </p:blipFill>
+        <p:spPr>
+          <a:xfrm>
+            <a:off x="8550546" y="3905740"/>
+            <a:ext cx="3220972" cy="1160199"/>
+          </a:xfrm>
+          <a:prstGeom prst="rect">
+            <a:avLst/>
+          </a:prstGeom>
+        </p:spPr>
+      </p:pic>
+      <p:sp>
+        <p:nvSpPr>
+          <p:cNvPr id="8" name="Rounded Rectangle 7"/>
           <p:cNvSpPr/>
           <p:nvPr/>
         </p:nvSpPr>
         <p:spPr>
           <a:xfrm>
-            <a:off x="8613321" y="1562701"/>
-            <a:ext cx="3110593" cy="879068"/>
+            <a:off x="8613322" y="1265465"/>
+            <a:ext cx="3110592" cy="289832"/>
           </a:xfrm>
           <a:prstGeom prst="roundRect">
             <a:avLst/>
@@ -6490,7 +6551,7 @@
           <a:noFill/>
           <a:ln w="63500">
             <a:solidFill>
-              <a:srgbClr val="D000D5"/>
+              <a:srgbClr val="C00000"/>
             </a:solidFill>
             <a:prstDash val="solid"/>
           </a:ln>
@@ -6518,10 +6579,55 @@
           </a:p>
         </p:txBody>
       </p:sp>
+      <p:sp>
+        <p:nvSpPr>
+          <p:cNvPr id="10" name="Rounded Rectangle 9"/>
+          <p:cNvSpPr/>
+          <p:nvPr/>
+        </p:nvSpPr>
+        <p:spPr>
+          <a:xfrm>
+            <a:off x="8583116" y="3905739"/>
+            <a:ext cx="3140797" cy="819973"/>
+          </a:xfrm>
+          <a:prstGeom prst="roundRect">
+            <a:avLst/>
+          </a:prstGeom>
+          <a:noFill/>
+          <a:ln w="63500">
+            <a:solidFill>
+              <a:srgbClr val="C00000"/>
+            </a:solidFill>
+            <a:prstDash val="solid"/>
+          </a:ln>
+        </p:spPr>
+        <p:style>
+          <a:lnRef idx="2">
+            <a:schemeClr val="accent2"/>
+          </a:lnRef>
+          <a:fillRef idx="1">
+            <a:schemeClr val="lt1"/>
+          </a:fillRef>
+          <a:effectRef idx="0">
+            <a:schemeClr val="accent2"/>
+          </a:effectRef>
+          <a:fontRef idx="minor">
+            <a:schemeClr val="dk1"/>
+          </a:fontRef>
+        </p:style>
+        <p:txBody>
+          <a:bodyPr rtlCol="0" anchor="ctr"/>
+          <a:lstStyle/>
+          <a:p>
+            <a:pPr algn="ctr"/>
+            <a:endParaRPr lang="pl-PL"/>
+          </a:p>
+        </p:txBody>
+      </p:sp>
     </p:spTree>
     <p:extLst>
       <p:ext uri="{BB962C8B-B14F-4D97-AF65-F5344CB8AC3E}">
-        <p14:creationId xmlns:p14="http://schemas.microsoft.com/office/powerpoint/2010/main" val="3656915162"/>
+        <p14:creationId xmlns:p14="http://schemas.microsoft.com/office/powerpoint/2010/main" val="1742522559"/>
       </p:ext>
     </p:extLst>
   </p:cSld>
